--- a/lectures/6/2_Questionnaire Analysis.pptx
+++ b/lectures/6/2_Questionnaire Analysis.pptx
@@ -52,9 +52,9 @@
     <p:sldId id="299" r:id="rId43"/>
     <p:sldId id="300" r:id="rId44"/>
     <p:sldId id="301" r:id="rId45"/>
-    <p:sldId id="256" r:id="rId46"/>
-    <p:sldId id="265" r:id="rId47"/>
-    <p:sldId id="273" r:id="rId48"/>
+    <p:sldId id="273" r:id="rId46"/>
+    <p:sldId id="256" r:id="rId47"/>
+    <p:sldId id="265" r:id="rId48"/>
     <p:sldId id="272" r:id="rId49"/>
     <p:sldId id="274" r:id="rId50"/>
   </p:sldIdLst>
@@ -5824,7 +5824,7 @@
           <a:p>
             <a:fld id="{73B2889B-A0AC-4482-8592-5C96F2309420}" type="datetimeFigureOut">
               <a:rPr lang="en-US" smtClean="0"/>
-              <a:t>2/22/2022</a:t>
+              <a:t>2/22/2023</a:t>
             </a:fld>
             <a:endParaRPr lang="en-US"/>
           </a:p>
@@ -6001,7 +6001,7 @@
           <a:p>
             <a:fld id="{830EB223-FFC0-462A-A3B8-EAA7CE0F8CBD}" type="datetimeFigureOut">
               <a:rPr lang="en-US" smtClean="0"/>
-              <a:t>2/22/2022</a:t>
+              <a:t>2/22/2023</a:t>
             </a:fld>
             <a:endParaRPr lang="en-US" dirty="0"/>
           </a:p>
@@ -8835,23 +8835,40 @@
           <a:p>
             <a:r>
               <a:rPr lang="en-US" dirty="0"/>
-              <a:t>Now we get back to our questionnaire analysis</a:t>
+              <a:t>Open the case on </a:t>
             </a:r>
-          </a:p>
-          <a:p>
-            <a:endParaRPr lang="en-US" dirty="0"/>
-          </a:p>
-          <a:p>
-            <a:endParaRPr lang="en-US" dirty="0"/>
-          </a:p>
-          <a:p>
-            <a:endParaRPr lang="en-US" dirty="0"/>
+            <a:r>
+              <a:rPr lang="en-US" dirty="0" err="1"/>
+              <a:t>Github</a:t>
+            </a:r>
+            <a:r>
+              <a:rPr lang="en-US"/>
+              <a:t> and see pdf</a:t>
+            </a:r>
           </a:p>
           <a:p>
             <a:r>
               <a:rPr lang="en-US" dirty="0"/>
-              <a:t>(Chapter 13 continue)</a:t>
+              <a:t>In case 5, you want to assess your customer satisfaction. And there are 3 options. You have to discuss the advantages and disadvantages of each of them </a:t>
             </a:r>
+          </a:p>
+          <a:p>
+            <a:r>
+              <a:rPr lang="en-US" dirty="0"/>
+              <a:t>For example, the first option could be rather short and fast, which might increase your response rate. While the second and third are more detail and give you more information, but the attribution rate might be higher than the first one. Moreover, the third option is the constant-sum method which is under comparative-rating scale, which will give you the relative importance among different attributes. </a:t>
+            </a:r>
+          </a:p>
+          <a:p>
+            <a:r>
+              <a:rPr lang="en-US" dirty="0"/>
+              <a:t>So please discussion all of the options and how this question relates to the textbook chapter. I don’t want you to miss points regarding how this question relates to the textbook chapter. </a:t>
+            </a:r>
+          </a:p>
+          <a:p>
+            <a:endParaRPr lang="en-US" dirty="0"/>
+          </a:p>
+          <a:p>
+            <a:endParaRPr lang="en-US" dirty="0"/>
           </a:p>
         </p:txBody>
       </p:sp>
@@ -8881,7 +8898,7 @@
     </p:spTree>
     <p:extLst>
       <p:ext uri="{BB962C8B-B14F-4D97-AF65-F5344CB8AC3E}">
-        <p14:creationId xmlns:p14="http://schemas.microsoft.com/office/powerpoint/2010/main" val="1368348292"/>
+        <p14:creationId xmlns:p14="http://schemas.microsoft.com/office/powerpoint/2010/main" val="2404076093"/>
       </p:ext>
     </p:extLst>
   </p:cSld>
@@ -8937,13 +8954,22 @@
           <a:p>
             <a:r>
               <a:rPr lang="en-US" dirty="0"/>
-              <a:t>Pair up with another group (we have 6 groups in this class)</a:t>
+              <a:t>Now we get back to our questionnaire analysis</a:t>
             </a:r>
+          </a:p>
+          <a:p>
+            <a:endParaRPr lang="en-US" dirty="0"/>
+          </a:p>
+          <a:p>
+            <a:endParaRPr lang="en-US" dirty="0"/>
+          </a:p>
+          <a:p>
+            <a:endParaRPr lang="en-US" dirty="0"/>
           </a:p>
           <a:p>
             <a:r>
               <a:rPr lang="en-US" dirty="0"/>
-              <a:t>Exchange your survey, fill it out, and discuss, critique and fill out questionnaire worksheet B </a:t>
+              <a:t>(Chapter 13 continue)</a:t>
             </a:r>
           </a:p>
         </p:txBody>
@@ -8974,7 +9000,7 @@
     </p:spTree>
     <p:extLst>
       <p:ext uri="{BB962C8B-B14F-4D97-AF65-F5344CB8AC3E}">
-        <p14:creationId xmlns:p14="http://schemas.microsoft.com/office/powerpoint/2010/main" val="4215246378"/>
+        <p14:creationId xmlns:p14="http://schemas.microsoft.com/office/powerpoint/2010/main" val="1368348292"/>
       </p:ext>
     </p:extLst>
   </p:cSld>
@@ -9030,23 +9056,14 @@
           <a:p>
             <a:r>
               <a:rPr lang="en-US" dirty="0"/>
-              <a:t>In case 5, you want to assess your customer satisfaction. And there are 3 options. You have to discuss the advantages and disadvantages of each of them </a:t>
+              <a:t>Pair up with another group (we have 6 groups in this class)</a:t>
             </a:r>
           </a:p>
           <a:p>
             <a:r>
               <a:rPr lang="en-US" dirty="0"/>
-              <a:t>For example, the first option could be rather short and fast, which might increase your response rate. While the second and third are more detail and give you more information, but the attribution rate might be higher than the first one. Moreover, the third option is the constant-sum method which is under comparative-rating scale, which will give you the relative importance among different attributes. </a:t>
+              <a:t>Exchange your survey, fill it out, and discuss, critique and fill out questionnaire worksheet B </a:t>
             </a:r>
-          </a:p>
-          <a:p>
-            <a:r>
-              <a:rPr lang="en-US" dirty="0"/>
-              <a:t>So please discussion all of the options and how this question relates to the textbook chapter. I don’t want you to miss points regarding how this question relates to the textbook chapter. </a:t>
-            </a:r>
-          </a:p>
-          <a:p>
-            <a:endParaRPr lang="en-US" dirty="0"/>
           </a:p>
         </p:txBody>
       </p:sp>
@@ -9076,7 +9093,7 @@
     </p:spTree>
     <p:extLst>
       <p:ext uri="{BB962C8B-B14F-4D97-AF65-F5344CB8AC3E}">
-        <p14:creationId xmlns:p14="http://schemas.microsoft.com/office/powerpoint/2010/main" val="2404076093"/>
+        <p14:creationId xmlns:p14="http://schemas.microsoft.com/office/powerpoint/2010/main" val="4215246378"/>
       </p:ext>
     </p:extLst>
   </p:cSld>
@@ -10223,7 +10240,7 @@
           <a:p>
             <a:fld id="{652F63C3-457A-404F-AAA3-8F69A90AD8AA}" type="datetime1">
               <a:rPr lang="en-US" smtClean="0"/>
-              <a:t>2/22/2022</a:t>
+              <a:t>2/22/2023</a:t>
             </a:fld>
             <a:endParaRPr lang="en-US" dirty="0"/>
           </a:p>
@@ -10425,7 +10442,7 @@
           <a:p>
             <a:fld id="{90D7BE31-F334-4A5A-B29B-3D5E9040FCF6}" type="datetime1">
               <a:rPr lang="en-US" smtClean="0"/>
-              <a:t>2/22/2022</a:t>
+              <a:t>2/22/2023</a:t>
             </a:fld>
             <a:endParaRPr lang="en-US" dirty="0"/>
           </a:p>
@@ -10637,7 +10654,7 @@
           <a:p>
             <a:fld id="{E27D8CA0-0249-41D2-804F-55EAFCB3B1FC}" type="datetime1">
               <a:rPr lang="en-US" smtClean="0"/>
-              <a:t>2/22/2022</a:t>
+              <a:t>2/22/2023</a:t>
             </a:fld>
             <a:endParaRPr lang="en-US" dirty="0"/>
           </a:p>
@@ -10839,7 +10856,7 @@
           <a:p>
             <a:fld id="{978A0CA8-73C9-417F-A36E-C4BA7C1C6642}" type="datetime1">
               <a:rPr lang="en-US" smtClean="0"/>
-              <a:t>2/22/2022</a:t>
+              <a:t>2/22/2023</a:t>
             </a:fld>
             <a:endParaRPr lang="en-US" dirty="0"/>
           </a:p>
@@ -11118,7 +11135,7 @@
           <a:p>
             <a:fld id="{62B6FF38-DD63-473C-B2A6-F16CDF318C96}" type="datetime1">
               <a:rPr lang="en-US" smtClean="0"/>
-              <a:t>2/22/2022</a:t>
+              <a:t>2/22/2023</a:t>
             </a:fld>
             <a:endParaRPr lang="en-US" dirty="0"/>
           </a:p>
@@ -11387,7 +11404,7 @@
           <a:p>
             <a:fld id="{10772E45-5CB0-42B2-8B8D-73EC30177BE9}" type="datetime1">
               <a:rPr lang="en-US" smtClean="0"/>
-              <a:t>2/22/2022</a:t>
+              <a:t>2/22/2023</a:t>
             </a:fld>
             <a:endParaRPr lang="en-US" dirty="0"/>
           </a:p>
@@ -11803,7 +11820,7 @@
           <a:p>
             <a:fld id="{A80C3EC0-F698-4DB8-8DE1-3EE7007C63C0}" type="datetime1">
               <a:rPr lang="en-US" smtClean="0"/>
-              <a:t>2/22/2022</a:t>
+              <a:t>2/22/2023</a:t>
             </a:fld>
             <a:endParaRPr lang="en-US" dirty="0"/>
           </a:p>
@@ -11948,7 +11965,7 @@
           <a:p>
             <a:fld id="{B1D7AA44-BA0F-4534-BC47-63051C7ACB88}" type="datetime1">
               <a:rPr lang="en-US" smtClean="0"/>
-              <a:t>2/22/2022</a:t>
+              <a:t>2/22/2023</a:t>
             </a:fld>
             <a:endParaRPr lang="en-US" dirty="0"/>
           </a:p>
@@ -12065,7 +12082,7 @@
           <a:p>
             <a:fld id="{917D2CBF-A2D2-4798-ACA0-B49D331DADDD}" type="datetime1">
               <a:rPr lang="en-US" smtClean="0"/>
-              <a:t>2/22/2022</a:t>
+              <a:t>2/22/2023</a:t>
             </a:fld>
             <a:endParaRPr lang="en-US" dirty="0"/>
           </a:p>
@@ -12380,7 +12397,7 @@
           <a:p>
             <a:fld id="{5ABFC442-6CCF-4306-931F-EB33335B597E}" type="datetime1">
               <a:rPr lang="en-US" smtClean="0"/>
-              <a:t>2/22/2022</a:t>
+              <a:t>2/22/2023</a:t>
             </a:fld>
             <a:endParaRPr lang="en-US" dirty="0"/>
           </a:p>
@@ -12676,7 +12693,7 @@
           <a:p>
             <a:fld id="{DCE8E768-B816-42BE-AB00-4363C8FC5A56}" type="datetime1">
               <a:rPr lang="en-US" smtClean="0"/>
-              <a:t>2/22/2022</a:t>
+              <a:t>2/22/2023</a:t>
             </a:fld>
             <a:endParaRPr lang="en-US" dirty="0"/>
           </a:p>
@@ -12921,7 +12938,7 @@
           <a:p>
             <a:fld id="{3C0B4283-5C87-4BB4-AE30-920C64243E43}" type="datetime1">
               <a:rPr lang="en-US" smtClean="0"/>
-              <a:t>2/22/2022</a:t>
+              <a:t>2/22/2023</a:t>
             </a:fld>
             <a:endParaRPr lang="en-US" dirty="0"/>
           </a:p>
@@ -13608,13 +13625,13 @@
           <a:lstStyle/>
           <a:p>
             <a:r>
-              <a:rPr lang="en-US" sz="2000"/>
-              <a:t>Take your name tag </a:t>
+              <a:rPr lang="en-US" sz="2000" dirty="0"/>
+              <a:t>Name tag </a:t>
             </a:r>
           </a:p>
           <a:p>
             <a:r>
-              <a:rPr lang="en-US" sz="2000"/>
+              <a:rPr lang="en-US" sz="2000" dirty="0"/>
               <a:t>Check in on iClicker</a:t>
             </a:r>
           </a:p>
@@ -15372,6 +15389,248 @@
   <p:clrMapOvr>
     <a:masterClrMapping/>
   </p:clrMapOvr>
+  <p:timing>
+    <p:tnLst>
+      <p:par>
+        <p:cTn id="1" dur="indefinite" restart="never" nodeType="tmRoot">
+          <p:childTnLst>
+            <p:seq concurrent="1" nextAc="seek">
+              <p:cTn id="2" dur="indefinite" nodeType="mainSeq">
+                <p:childTnLst>
+                  <p:par>
+                    <p:cTn id="3" fill="hold">
+                      <p:stCondLst>
+                        <p:cond delay="indefinite"/>
+                      </p:stCondLst>
+                      <p:childTnLst>
+                        <p:par>
+                          <p:cTn id="4" fill="hold">
+                            <p:stCondLst>
+                              <p:cond delay="0"/>
+                            </p:stCondLst>
+                            <p:childTnLst>
+                              <p:par>
+                                <p:cTn id="5" presetID="1" presetClass="entr" presetSubtype="0" fill="hold" grpId="0" nodeType="clickEffect">
+                                  <p:stCondLst>
+                                    <p:cond delay="0"/>
+                                  </p:stCondLst>
+                                  <p:childTnLst>
+                                    <p:set>
+                                      <p:cBhvr>
+                                        <p:cTn id="6" dur="1" fill="hold">
+                                          <p:stCondLst>
+                                            <p:cond delay="0"/>
+                                          </p:stCondLst>
+                                        </p:cTn>
+                                        <p:tgtEl>
+                                          <p:spTgt spid="3">
+                                            <p:txEl>
+                                              <p:pRg st="0" end="0"/>
+                                            </p:txEl>
+                                          </p:spTgt>
+                                        </p:tgtEl>
+                                        <p:attrNameLst>
+                                          <p:attrName>style.visibility</p:attrName>
+                                        </p:attrNameLst>
+                                      </p:cBhvr>
+                                      <p:to>
+                                        <p:strVal val="visible"/>
+                                      </p:to>
+                                    </p:set>
+                                  </p:childTnLst>
+                                </p:cTn>
+                              </p:par>
+                              <p:par>
+                                <p:cTn id="7" presetID="1" presetClass="entr" presetSubtype="0" fill="hold" grpId="0" nodeType="withEffect">
+                                  <p:stCondLst>
+                                    <p:cond delay="0"/>
+                                  </p:stCondLst>
+                                  <p:childTnLst>
+                                    <p:set>
+                                      <p:cBhvr>
+                                        <p:cTn id="8" dur="1" fill="hold">
+                                          <p:stCondLst>
+                                            <p:cond delay="0"/>
+                                          </p:stCondLst>
+                                        </p:cTn>
+                                        <p:tgtEl>
+                                          <p:spTgt spid="3">
+                                            <p:txEl>
+                                              <p:pRg st="1" end="1"/>
+                                            </p:txEl>
+                                          </p:spTgt>
+                                        </p:tgtEl>
+                                        <p:attrNameLst>
+                                          <p:attrName>style.visibility</p:attrName>
+                                        </p:attrNameLst>
+                                      </p:cBhvr>
+                                      <p:to>
+                                        <p:strVal val="visible"/>
+                                      </p:to>
+                                    </p:set>
+                                  </p:childTnLst>
+                                </p:cTn>
+                              </p:par>
+                              <p:par>
+                                <p:cTn id="9" presetID="1" presetClass="entr" presetSubtype="0" fill="hold" grpId="0" nodeType="withEffect">
+                                  <p:stCondLst>
+                                    <p:cond delay="0"/>
+                                  </p:stCondLst>
+                                  <p:childTnLst>
+                                    <p:set>
+                                      <p:cBhvr>
+                                        <p:cTn id="10" dur="1" fill="hold">
+                                          <p:stCondLst>
+                                            <p:cond delay="0"/>
+                                          </p:stCondLst>
+                                        </p:cTn>
+                                        <p:tgtEl>
+                                          <p:spTgt spid="3">
+                                            <p:txEl>
+                                              <p:pRg st="2" end="2"/>
+                                            </p:txEl>
+                                          </p:spTgt>
+                                        </p:tgtEl>
+                                        <p:attrNameLst>
+                                          <p:attrName>style.visibility</p:attrName>
+                                        </p:attrNameLst>
+                                      </p:cBhvr>
+                                      <p:to>
+                                        <p:strVal val="visible"/>
+                                      </p:to>
+                                    </p:set>
+                                  </p:childTnLst>
+                                </p:cTn>
+                              </p:par>
+                            </p:childTnLst>
+                          </p:cTn>
+                        </p:par>
+                      </p:childTnLst>
+                    </p:cTn>
+                  </p:par>
+                  <p:par>
+                    <p:cTn id="11" fill="hold">
+                      <p:stCondLst>
+                        <p:cond delay="indefinite"/>
+                      </p:stCondLst>
+                      <p:childTnLst>
+                        <p:par>
+                          <p:cTn id="12" fill="hold">
+                            <p:stCondLst>
+                              <p:cond delay="0"/>
+                            </p:stCondLst>
+                            <p:childTnLst>
+                              <p:par>
+                                <p:cTn id="13" presetID="1" presetClass="entr" presetSubtype="0" fill="hold" grpId="0" nodeType="clickEffect">
+                                  <p:stCondLst>
+                                    <p:cond delay="0"/>
+                                  </p:stCondLst>
+                                  <p:childTnLst>
+                                    <p:set>
+                                      <p:cBhvr>
+                                        <p:cTn id="14" dur="1" fill="hold">
+                                          <p:stCondLst>
+                                            <p:cond delay="0"/>
+                                          </p:stCondLst>
+                                        </p:cTn>
+                                        <p:tgtEl>
+                                          <p:spTgt spid="3">
+                                            <p:txEl>
+                                              <p:pRg st="3" end="3"/>
+                                            </p:txEl>
+                                          </p:spTgt>
+                                        </p:tgtEl>
+                                        <p:attrNameLst>
+                                          <p:attrName>style.visibility</p:attrName>
+                                        </p:attrNameLst>
+                                      </p:cBhvr>
+                                      <p:to>
+                                        <p:strVal val="visible"/>
+                                      </p:to>
+                                    </p:set>
+                                  </p:childTnLst>
+                                </p:cTn>
+                              </p:par>
+                            </p:childTnLst>
+                          </p:cTn>
+                        </p:par>
+                      </p:childTnLst>
+                    </p:cTn>
+                  </p:par>
+                  <p:par>
+                    <p:cTn id="15" fill="hold">
+                      <p:stCondLst>
+                        <p:cond delay="indefinite"/>
+                      </p:stCondLst>
+                      <p:childTnLst>
+                        <p:par>
+                          <p:cTn id="16" fill="hold">
+                            <p:stCondLst>
+                              <p:cond delay="0"/>
+                            </p:stCondLst>
+                            <p:childTnLst>
+                              <p:par>
+                                <p:cTn id="17" presetID="1" presetClass="entr" presetSubtype="0" fill="hold" grpId="0" nodeType="clickEffect">
+                                  <p:stCondLst>
+                                    <p:cond delay="0"/>
+                                  </p:stCondLst>
+                                  <p:childTnLst>
+                                    <p:set>
+                                      <p:cBhvr>
+                                        <p:cTn id="18" dur="1" fill="hold">
+                                          <p:stCondLst>
+                                            <p:cond delay="0"/>
+                                          </p:stCondLst>
+                                        </p:cTn>
+                                        <p:tgtEl>
+                                          <p:spTgt spid="3">
+                                            <p:txEl>
+                                              <p:pRg st="4" end="4"/>
+                                            </p:txEl>
+                                          </p:spTgt>
+                                        </p:tgtEl>
+                                        <p:attrNameLst>
+                                          <p:attrName>style.visibility</p:attrName>
+                                        </p:attrNameLst>
+                                      </p:cBhvr>
+                                      <p:to>
+                                        <p:strVal val="visible"/>
+                                      </p:to>
+                                    </p:set>
+                                  </p:childTnLst>
+                                </p:cTn>
+                              </p:par>
+                            </p:childTnLst>
+                          </p:cTn>
+                        </p:par>
+                      </p:childTnLst>
+                    </p:cTn>
+                  </p:par>
+                </p:childTnLst>
+              </p:cTn>
+              <p:prevCondLst>
+                <p:cond evt="onPrev" delay="0">
+                  <p:tgtEl>
+                    <p:sldTgt/>
+                  </p:tgtEl>
+                </p:cond>
+              </p:prevCondLst>
+              <p:nextCondLst>
+                <p:cond evt="onNext" delay="0">
+                  <p:tgtEl>
+                    <p:sldTgt/>
+                  </p:tgtEl>
+                </p:cond>
+              </p:nextCondLst>
+            </p:seq>
+          </p:childTnLst>
+        </p:cTn>
+      </p:par>
+    </p:tnLst>
+    <p:bldLst>
+      <p:bldP spid="3" grpId="0" build="p"/>
+    </p:bldLst>
+  </p:timing>
 </p:sld>
 </file>
 
@@ -15852,6 +16111,186 @@
   <p:clrMapOvr>
     <a:masterClrMapping/>
   </p:clrMapOvr>
+  <p:timing>
+    <p:tnLst>
+      <p:par>
+        <p:cTn id="1" dur="indefinite" restart="never" nodeType="tmRoot">
+          <p:childTnLst>
+            <p:seq concurrent="1" nextAc="seek">
+              <p:cTn id="2" dur="indefinite" nodeType="mainSeq">
+                <p:childTnLst>
+                  <p:par>
+                    <p:cTn id="3" fill="hold">
+                      <p:stCondLst>
+                        <p:cond delay="indefinite"/>
+                      </p:stCondLst>
+                      <p:childTnLst>
+                        <p:par>
+                          <p:cTn id="4" fill="hold">
+                            <p:stCondLst>
+                              <p:cond delay="0"/>
+                            </p:stCondLst>
+                            <p:childTnLst>
+                              <p:par>
+                                <p:cTn id="5" presetID="1" presetClass="entr" presetSubtype="0" fill="hold" grpId="0" nodeType="clickEffect">
+                                  <p:stCondLst>
+                                    <p:cond delay="0"/>
+                                  </p:stCondLst>
+                                  <p:childTnLst>
+                                    <p:set>
+                                      <p:cBhvr>
+                                        <p:cTn id="6" dur="1" fill="hold">
+                                          <p:stCondLst>
+                                            <p:cond delay="0"/>
+                                          </p:stCondLst>
+                                        </p:cTn>
+                                        <p:tgtEl>
+                                          <p:spTgt spid="3">
+                                            <p:txEl>
+                                              <p:pRg st="0" end="0"/>
+                                            </p:txEl>
+                                          </p:spTgt>
+                                        </p:tgtEl>
+                                        <p:attrNameLst>
+                                          <p:attrName>style.visibility</p:attrName>
+                                        </p:attrNameLst>
+                                      </p:cBhvr>
+                                      <p:to>
+                                        <p:strVal val="visible"/>
+                                      </p:to>
+                                    </p:set>
+                                  </p:childTnLst>
+                                </p:cTn>
+                              </p:par>
+                            </p:childTnLst>
+                          </p:cTn>
+                        </p:par>
+                      </p:childTnLst>
+                    </p:cTn>
+                  </p:par>
+                  <p:par>
+                    <p:cTn id="7" fill="hold">
+                      <p:stCondLst>
+                        <p:cond delay="indefinite"/>
+                      </p:stCondLst>
+                      <p:childTnLst>
+                        <p:par>
+                          <p:cTn id="8" fill="hold">
+                            <p:stCondLst>
+                              <p:cond delay="0"/>
+                            </p:stCondLst>
+                            <p:childTnLst>
+                              <p:par>
+                                <p:cTn id="9" presetID="1" presetClass="entr" presetSubtype="0" fill="hold" grpId="0" nodeType="clickEffect">
+                                  <p:stCondLst>
+                                    <p:cond delay="0"/>
+                                  </p:stCondLst>
+                                  <p:childTnLst>
+                                    <p:set>
+                                      <p:cBhvr>
+                                        <p:cTn id="10" dur="1" fill="hold">
+                                          <p:stCondLst>
+                                            <p:cond delay="0"/>
+                                          </p:stCondLst>
+                                        </p:cTn>
+                                        <p:tgtEl>
+                                          <p:spTgt spid="3">
+                                            <p:txEl>
+                                              <p:pRg st="1" end="1"/>
+                                            </p:txEl>
+                                          </p:spTgt>
+                                        </p:tgtEl>
+                                        <p:attrNameLst>
+                                          <p:attrName>style.visibility</p:attrName>
+                                        </p:attrNameLst>
+                                      </p:cBhvr>
+                                      <p:to>
+                                        <p:strVal val="visible"/>
+                                      </p:to>
+                                    </p:set>
+                                  </p:childTnLst>
+                                </p:cTn>
+                              </p:par>
+                            </p:childTnLst>
+                          </p:cTn>
+                        </p:par>
+                      </p:childTnLst>
+                    </p:cTn>
+                  </p:par>
+                  <p:par>
+                    <p:cTn id="11" fill="hold">
+                      <p:stCondLst>
+                        <p:cond delay="indefinite"/>
+                      </p:stCondLst>
+                      <p:childTnLst>
+                        <p:par>
+                          <p:cTn id="12" fill="hold">
+                            <p:stCondLst>
+                              <p:cond delay="0"/>
+                            </p:stCondLst>
+                            <p:childTnLst>
+                              <p:par>
+                                <p:cTn id="13" presetID="1" presetClass="entr" presetSubtype="0" fill="hold" grpId="0" nodeType="clickEffect">
+                                  <p:stCondLst>
+                                    <p:cond delay="0"/>
+                                  </p:stCondLst>
+                                  <p:childTnLst>
+                                    <p:set>
+                                      <p:cBhvr>
+                                        <p:cTn id="14" dur="1" fill="hold">
+                                          <p:stCondLst>
+                                            <p:cond delay="0"/>
+                                          </p:stCondLst>
+                                        </p:cTn>
+                                        <p:tgtEl>
+                                          <p:spTgt spid="3">
+                                            <p:txEl>
+                                              <p:pRg st="2" end="2"/>
+                                            </p:txEl>
+                                          </p:spTgt>
+                                        </p:tgtEl>
+                                        <p:attrNameLst>
+                                          <p:attrName>style.visibility</p:attrName>
+                                        </p:attrNameLst>
+                                      </p:cBhvr>
+                                      <p:to>
+                                        <p:strVal val="visible"/>
+                                      </p:to>
+                                    </p:set>
+                                  </p:childTnLst>
+                                </p:cTn>
+                              </p:par>
+                            </p:childTnLst>
+                          </p:cTn>
+                        </p:par>
+                      </p:childTnLst>
+                    </p:cTn>
+                  </p:par>
+                </p:childTnLst>
+              </p:cTn>
+              <p:prevCondLst>
+                <p:cond evt="onPrev" delay="0">
+                  <p:tgtEl>
+                    <p:sldTgt/>
+                  </p:tgtEl>
+                </p:cond>
+              </p:prevCondLst>
+              <p:nextCondLst>
+                <p:cond evt="onNext" delay="0">
+                  <p:tgtEl>
+                    <p:sldTgt/>
+                  </p:tgtEl>
+                </p:cond>
+              </p:nextCondLst>
+            </p:seq>
+          </p:childTnLst>
+        </p:cTn>
+      </p:par>
+    </p:tnLst>
+    <p:bldLst>
+      <p:bldP spid="3" grpId="0" build="p"/>
+    </p:bldLst>
+  </p:timing>
 </p:sld>
 </file>
 
@@ -17079,6 +17518,186 @@
   <p:clrMapOvr>
     <a:masterClrMapping/>
   </p:clrMapOvr>
+  <p:timing>
+    <p:tnLst>
+      <p:par>
+        <p:cTn id="1" dur="indefinite" restart="never" nodeType="tmRoot">
+          <p:childTnLst>
+            <p:seq concurrent="1" nextAc="seek">
+              <p:cTn id="2" dur="indefinite" nodeType="mainSeq">
+                <p:childTnLst>
+                  <p:par>
+                    <p:cTn id="3" fill="hold">
+                      <p:stCondLst>
+                        <p:cond delay="indefinite"/>
+                      </p:stCondLst>
+                      <p:childTnLst>
+                        <p:par>
+                          <p:cTn id="4" fill="hold">
+                            <p:stCondLst>
+                              <p:cond delay="0"/>
+                            </p:stCondLst>
+                            <p:childTnLst>
+                              <p:par>
+                                <p:cTn id="5" presetID="1" presetClass="entr" presetSubtype="0" fill="hold" grpId="0" nodeType="clickEffect">
+                                  <p:stCondLst>
+                                    <p:cond delay="0"/>
+                                  </p:stCondLst>
+                                  <p:childTnLst>
+                                    <p:set>
+                                      <p:cBhvr>
+                                        <p:cTn id="6" dur="1" fill="hold">
+                                          <p:stCondLst>
+                                            <p:cond delay="0"/>
+                                          </p:stCondLst>
+                                        </p:cTn>
+                                        <p:tgtEl>
+                                          <p:spTgt spid="3">
+                                            <p:txEl>
+                                              <p:pRg st="0" end="0"/>
+                                            </p:txEl>
+                                          </p:spTgt>
+                                        </p:tgtEl>
+                                        <p:attrNameLst>
+                                          <p:attrName>style.visibility</p:attrName>
+                                        </p:attrNameLst>
+                                      </p:cBhvr>
+                                      <p:to>
+                                        <p:strVal val="visible"/>
+                                      </p:to>
+                                    </p:set>
+                                  </p:childTnLst>
+                                </p:cTn>
+                              </p:par>
+                            </p:childTnLst>
+                          </p:cTn>
+                        </p:par>
+                      </p:childTnLst>
+                    </p:cTn>
+                  </p:par>
+                  <p:par>
+                    <p:cTn id="7" fill="hold">
+                      <p:stCondLst>
+                        <p:cond delay="indefinite"/>
+                      </p:stCondLst>
+                      <p:childTnLst>
+                        <p:par>
+                          <p:cTn id="8" fill="hold">
+                            <p:stCondLst>
+                              <p:cond delay="0"/>
+                            </p:stCondLst>
+                            <p:childTnLst>
+                              <p:par>
+                                <p:cTn id="9" presetID="1" presetClass="entr" presetSubtype="0" fill="hold" nodeType="clickEffect">
+                                  <p:stCondLst>
+                                    <p:cond delay="0"/>
+                                  </p:stCondLst>
+                                  <p:childTnLst>
+                                    <p:set>
+                                      <p:cBhvr>
+                                        <p:cTn id="10" dur="1" fill="hold">
+                                          <p:stCondLst>
+                                            <p:cond delay="0"/>
+                                          </p:stCondLst>
+                                        </p:cTn>
+                                        <p:tgtEl>
+                                          <p:spTgt spid="3">
+                                            <p:txEl>
+                                              <p:pRg st="1" end="1"/>
+                                            </p:txEl>
+                                          </p:spTgt>
+                                        </p:tgtEl>
+                                        <p:attrNameLst>
+                                          <p:attrName>style.visibility</p:attrName>
+                                        </p:attrNameLst>
+                                      </p:cBhvr>
+                                      <p:to>
+                                        <p:strVal val="visible"/>
+                                      </p:to>
+                                    </p:set>
+                                  </p:childTnLst>
+                                </p:cTn>
+                              </p:par>
+                            </p:childTnLst>
+                          </p:cTn>
+                        </p:par>
+                      </p:childTnLst>
+                    </p:cTn>
+                  </p:par>
+                  <p:par>
+                    <p:cTn id="11" fill="hold">
+                      <p:stCondLst>
+                        <p:cond delay="indefinite"/>
+                      </p:stCondLst>
+                      <p:childTnLst>
+                        <p:par>
+                          <p:cTn id="12" fill="hold">
+                            <p:stCondLst>
+                              <p:cond delay="0"/>
+                            </p:stCondLst>
+                            <p:childTnLst>
+                              <p:par>
+                                <p:cTn id="13" presetID="1" presetClass="entr" presetSubtype="0" fill="hold" nodeType="clickEffect">
+                                  <p:stCondLst>
+                                    <p:cond delay="0"/>
+                                  </p:stCondLst>
+                                  <p:childTnLst>
+                                    <p:set>
+                                      <p:cBhvr>
+                                        <p:cTn id="14" dur="1" fill="hold">
+                                          <p:stCondLst>
+                                            <p:cond delay="0"/>
+                                          </p:stCondLst>
+                                        </p:cTn>
+                                        <p:tgtEl>
+                                          <p:spTgt spid="3">
+                                            <p:txEl>
+                                              <p:pRg st="2" end="2"/>
+                                            </p:txEl>
+                                          </p:spTgt>
+                                        </p:tgtEl>
+                                        <p:attrNameLst>
+                                          <p:attrName>style.visibility</p:attrName>
+                                        </p:attrNameLst>
+                                      </p:cBhvr>
+                                      <p:to>
+                                        <p:strVal val="visible"/>
+                                      </p:to>
+                                    </p:set>
+                                  </p:childTnLst>
+                                </p:cTn>
+                              </p:par>
+                            </p:childTnLst>
+                          </p:cTn>
+                        </p:par>
+                      </p:childTnLst>
+                    </p:cTn>
+                  </p:par>
+                </p:childTnLst>
+              </p:cTn>
+              <p:prevCondLst>
+                <p:cond evt="onPrev" delay="0">
+                  <p:tgtEl>
+                    <p:sldTgt/>
+                  </p:tgtEl>
+                </p:cond>
+              </p:prevCondLst>
+              <p:nextCondLst>
+                <p:cond evt="onNext" delay="0">
+                  <p:tgtEl>
+                    <p:sldTgt/>
+                  </p:tgtEl>
+                </p:cond>
+              </p:nextCondLst>
+            </p:seq>
+          </p:childTnLst>
+        </p:cTn>
+      </p:par>
+    </p:tnLst>
+    <p:bldLst>
+      <p:bldP spid="3" grpId="0" uiExpand="1" build="p"/>
+    </p:bldLst>
+  </p:timing>
 </p:sld>
 </file>
 
@@ -17793,6 +18412,239 @@
   <p:clrMapOvr>
     <a:masterClrMapping/>
   </p:clrMapOvr>
+  <p:timing>
+    <p:tnLst>
+      <p:par>
+        <p:cTn id="1" dur="indefinite" restart="never" nodeType="tmRoot">
+          <p:childTnLst>
+            <p:seq concurrent="1" nextAc="seek">
+              <p:cTn id="2" dur="indefinite" nodeType="mainSeq">
+                <p:childTnLst>
+                  <p:par>
+                    <p:cTn id="3" fill="hold">
+                      <p:stCondLst>
+                        <p:cond delay="indefinite"/>
+                      </p:stCondLst>
+                      <p:childTnLst>
+                        <p:par>
+                          <p:cTn id="4" fill="hold">
+                            <p:stCondLst>
+                              <p:cond delay="0"/>
+                            </p:stCondLst>
+                            <p:childTnLst>
+                              <p:par>
+                                <p:cTn id="5" presetID="1" presetClass="entr" presetSubtype="0" fill="hold" grpId="0" nodeType="clickEffect">
+                                  <p:stCondLst>
+                                    <p:cond delay="0"/>
+                                  </p:stCondLst>
+                                  <p:childTnLst>
+                                    <p:set>
+                                      <p:cBhvr>
+                                        <p:cTn id="6" dur="1" fill="hold">
+                                          <p:stCondLst>
+                                            <p:cond delay="0"/>
+                                          </p:stCondLst>
+                                        </p:cTn>
+                                        <p:tgtEl>
+                                          <p:spTgt spid="29">
+                                            <p:graphicEl>
+                                              <a:dgm id="{FE6D34E4-AE25-452B-92E7-E224DCE03B2E}"/>
+                                            </p:graphicEl>
+                                          </p:spTgt>
+                                        </p:tgtEl>
+                                        <p:attrNameLst>
+                                          <p:attrName>style.visibility</p:attrName>
+                                        </p:attrNameLst>
+                                      </p:cBhvr>
+                                      <p:to>
+                                        <p:strVal val="visible"/>
+                                      </p:to>
+                                    </p:set>
+                                  </p:childTnLst>
+                                </p:cTn>
+                              </p:par>
+                            </p:childTnLst>
+                          </p:cTn>
+                        </p:par>
+                      </p:childTnLst>
+                    </p:cTn>
+                  </p:par>
+                  <p:par>
+                    <p:cTn id="7" fill="hold">
+                      <p:stCondLst>
+                        <p:cond delay="indefinite"/>
+                      </p:stCondLst>
+                      <p:childTnLst>
+                        <p:par>
+                          <p:cTn id="8" fill="hold">
+                            <p:stCondLst>
+                              <p:cond delay="0"/>
+                            </p:stCondLst>
+                            <p:childTnLst>
+                              <p:par>
+                                <p:cTn id="9" presetID="1" presetClass="entr" presetSubtype="0" fill="hold" grpId="0" nodeType="clickEffect">
+                                  <p:stCondLst>
+                                    <p:cond delay="0"/>
+                                  </p:stCondLst>
+                                  <p:childTnLst>
+                                    <p:set>
+                                      <p:cBhvr>
+                                        <p:cTn id="10" dur="1" fill="hold">
+                                          <p:stCondLst>
+                                            <p:cond delay="0"/>
+                                          </p:stCondLst>
+                                        </p:cTn>
+                                        <p:tgtEl>
+                                          <p:spTgt spid="29">
+                                            <p:graphicEl>
+                                              <a:dgm id="{BB6ECE61-A9E2-4B0A-AE8F-66C3A0116280}"/>
+                                            </p:graphicEl>
+                                          </p:spTgt>
+                                        </p:tgtEl>
+                                        <p:attrNameLst>
+                                          <p:attrName>style.visibility</p:attrName>
+                                        </p:attrNameLst>
+                                      </p:cBhvr>
+                                      <p:to>
+                                        <p:strVal val="visible"/>
+                                      </p:to>
+                                    </p:set>
+                                  </p:childTnLst>
+                                </p:cTn>
+                              </p:par>
+                            </p:childTnLst>
+                          </p:cTn>
+                        </p:par>
+                      </p:childTnLst>
+                    </p:cTn>
+                  </p:par>
+                  <p:par>
+                    <p:cTn id="11" fill="hold">
+                      <p:stCondLst>
+                        <p:cond delay="indefinite"/>
+                      </p:stCondLst>
+                      <p:childTnLst>
+                        <p:par>
+                          <p:cTn id="12" fill="hold">
+                            <p:stCondLst>
+                              <p:cond delay="0"/>
+                            </p:stCondLst>
+                            <p:childTnLst>
+                              <p:par>
+                                <p:cTn id="13" presetID="1" presetClass="entr" presetSubtype="0" fill="hold" grpId="0" nodeType="clickEffect">
+                                  <p:stCondLst>
+                                    <p:cond delay="0"/>
+                                  </p:stCondLst>
+                                  <p:childTnLst>
+                                    <p:set>
+                                      <p:cBhvr>
+                                        <p:cTn id="14" dur="1" fill="hold">
+                                          <p:stCondLst>
+                                            <p:cond delay="0"/>
+                                          </p:stCondLst>
+                                        </p:cTn>
+                                        <p:tgtEl>
+                                          <p:spTgt spid="29">
+                                            <p:graphicEl>
+                                              <a:dgm id="{784DB913-FCCD-485B-A137-AFFC918966CB}"/>
+                                            </p:graphicEl>
+                                          </p:spTgt>
+                                        </p:tgtEl>
+                                        <p:attrNameLst>
+                                          <p:attrName>style.visibility</p:attrName>
+                                        </p:attrNameLst>
+                                      </p:cBhvr>
+                                      <p:to>
+                                        <p:strVal val="visible"/>
+                                      </p:to>
+                                    </p:set>
+                                  </p:childTnLst>
+                                </p:cTn>
+                              </p:par>
+                            </p:childTnLst>
+                          </p:cTn>
+                        </p:par>
+                      </p:childTnLst>
+                    </p:cTn>
+                  </p:par>
+                  <p:par>
+                    <p:cTn id="15" fill="hold">
+                      <p:stCondLst>
+                        <p:cond delay="indefinite"/>
+                      </p:stCondLst>
+                      <p:childTnLst>
+                        <p:par>
+                          <p:cTn id="16" fill="hold">
+                            <p:stCondLst>
+                              <p:cond delay="0"/>
+                            </p:stCondLst>
+                            <p:childTnLst>
+                              <p:par>
+                                <p:cTn id="17" presetID="1" presetClass="entr" presetSubtype="0" fill="hold" grpId="0" nodeType="clickEffect">
+                                  <p:stCondLst>
+                                    <p:cond delay="0"/>
+                                  </p:stCondLst>
+                                  <p:childTnLst>
+                                    <p:set>
+                                      <p:cBhvr>
+                                        <p:cTn id="18" dur="1" fill="hold">
+                                          <p:stCondLst>
+                                            <p:cond delay="0"/>
+                                          </p:stCondLst>
+                                        </p:cTn>
+                                        <p:tgtEl>
+                                          <p:spTgt spid="29">
+                                            <p:graphicEl>
+                                              <a:dgm id="{8EE104F3-B2C8-4AB5-942A-FEDA6EDDA864}"/>
+                                            </p:graphicEl>
+                                          </p:spTgt>
+                                        </p:tgtEl>
+                                        <p:attrNameLst>
+                                          <p:attrName>style.visibility</p:attrName>
+                                        </p:attrNameLst>
+                                      </p:cBhvr>
+                                      <p:to>
+                                        <p:strVal val="visible"/>
+                                      </p:to>
+                                    </p:set>
+                                  </p:childTnLst>
+                                </p:cTn>
+                              </p:par>
+                            </p:childTnLst>
+                          </p:cTn>
+                        </p:par>
+                      </p:childTnLst>
+                    </p:cTn>
+                  </p:par>
+                </p:childTnLst>
+              </p:cTn>
+              <p:prevCondLst>
+                <p:cond evt="onPrev" delay="0">
+                  <p:tgtEl>
+                    <p:sldTgt/>
+                  </p:tgtEl>
+                </p:cond>
+              </p:prevCondLst>
+              <p:nextCondLst>
+                <p:cond evt="onNext" delay="0">
+                  <p:tgtEl>
+                    <p:sldTgt/>
+                  </p:tgtEl>
+                </p:cond>
+              </p:nextCondLst>
+            </p:seq>
+          </p:childTnLst>
+        </p:cTn>
+      </p:par>
+    </p:tnLst>
+    <p:bldLst>
+      <p:bldGraphic spid="29" grpId="0">
+        <p:bldSub>
+          <a:bldDgm bld="one"/>
+        </p:bldSub>
+      </p:bldGraphic>
+    </p:bldLst>
+  </p:timing>
 </p:sld>
 </file>
 
@@ -18321,6 +19173,186 @@
   <p:clrMapOvr>
     <a:masterClrMapping/>
   </p:clrMapOvr>
+  <p:timing>
+    <p:tnLst>
+      <p:par>
+        <p:cTn id="1" dur="indefinite" restart="never" nodeType="tmRoot">
+          <p:childTnLst>
+            <p:seq concurrent="1" nextAc="seek">
+              <p:cTn id="2" dur="indefinite" nodeType="mainSeq">
+                <p:childTnLst>
+                  <p:par>
+                    <p:cTn id="3" fill="hold">
+                      <p:stCondLst>
+                        <p:cond delay="indefinite"/>
+                      </p:stCondLst>
+                      <p:childTnLst>
+                        <p:par>
+                          <p:cTn id="4" fill="hold">
+                            <p:stCondLst>
+                              <p:cond delay="0"/>
+                            </p:stCondLst>
+                            <p:childTnLst>
+                              <p:par>
+                                <p:cTn id="5" presetID="1" presetClass="entr" presetSubtype="0" fill="hold" grpId="0" nodeType="clickEffect">
+                                  <p:stCondLst>
+                                    <p:cond delay="0"/>
+                                  </p:stCondLst>
+                                  <p:childTnLst>
+                                    <p:set>
+                                      <p:cBhvr>
+                                        <p:cTn id="6" dur="1" fill="hold">
+                                          <p:stCondLst>
+                                            <p:cond delay="0"/>
+                                          </p:stCondLst>
+                                        </p:cTn>
+                                        <p:tgtEl>
+                                          <p:spTgt spid="3">
+                                            <p:txEl>
+                                              <p:pRg st="0" end="0"/>
+                                            </p:txEl>
+                                          </p:spTgt>
+                                        </p:tgtEl>
+                                        <p:attrNameLst>
+                                          <p:attrName>style.visibility</p:attrName>
+                                        </p:attrNameLst>
+                                      </p:cBhvr>
+                                      <p:to>
+                                        <p:strVal val="visible"/>
+                                      </p:to>
+                                    </p:set>
+                                  </p:childTnLst>
+                                </p:cTn>
+                              </p:par>
+                            </p:childTnLst>
+                          </p:cTn>
+                        </p:par>
+                      </p:childTnLst>
+                    </p:cTn>
+                  </p:par>
+                  <p:par>
+                    <p:cTn id="7" fill="hold">
+                      <p:stCondLst>
+                        <p:cond delay="indefinite"/>
+                      </p:stCondLst>
+                      <p:childTnLst>
+                        <p:par>
+                          <p:cTn id="8" fill="hold">
+                            <p:stCondLst>
+                              <p:cond delay="0"/>
+                            </p:stCondLst>
+                            <p:childTnLst>
+                              <p:par>
+                                <p:cTn id="9" presetID="1" presetClass="entr" presetSubtype="0" fill="hold" nodeType="clickEffect">
+                                  <p:stCondLst>
+                                    <p:cond delay="0"/>
+                                  </p:stCondLst>
+                                  <p:childTnLst>
+                                    <p:set>
+                                      <p:cBhvr>
+                                        <p:cTn id="10" dur="1" fill="hold">
+                                          <p:stCondLst>
+                                            <p:cond delay="0"/>
+                                          </p:stCondLst>
+                                        </p:cTn>
+                                        <p:tgtEl>
+                                          <p:spTgt spid="3">
+                                            <p:txEl>
+                                              <p:pRg st="1" end="1"/>
+                                            </p:txEl>
+                                          </p:spTgt>
+                                        </p:tgtEl>
+                                        <p:attrNameLst>
+                                          <p:attrName>style.visibility</p:attrName>
+                                        </p:attrNameLst>
+                                      </p:cBhvr>
+                                      <p:to>
+                                        <p:strVal val="visible"/>
+                                      </p:to>
+                                    </p:set>
+                                  </p:childTnLst>
+                                </p:cTn>
+                              </p:par>
+                            </p:childTnLst>
+                          </p:cTn>
+                        </p:par>
+                      </p:childTnLst>
+                    </p:cTn>
+                  </p:par>
+                  <p:par>
+                    <p:cTn id="11" fill="hold">
+                      <p:stCondLst>
+                        <p:cond delay="indefinite"/>
+                      </p:stCondLst>
+                      <p:childTnLst>
+                        <p:par>
+                          <p:cTn id="12" fill="hold">
+                            <p:stCondLst>
+                              <p:cond delay="0"/>
+                            </p:stCondLst>
+                            <p:childTnLst>
+                              <p:par>
+                                <p:cTn id="13" presetID="1" presetClass="entr" presetSubtype="0" fill="hold" nodeType="clickEffect">
+                                  <p:stCondLst>
+                                    <p:cond delay="0"/>
+                                  </p:stCondLst>
+                                  <p:childTnLst>
+                                    <p:set>
+                                      <p:cBhvr>
+                                        <p:cTn id="14" dur="1" fill="hold">
+                                          <p:stCondLst>
+                                            <p:cond delay="0"/>
+                                          </p:stCondLst>
+                                        </p:cTn>
+                                        <p:tgtEl>
+                                          <p:spTgt spid="3">
+                                            <p:txEl>
+                                              <p:pRg st="2" end="2"/>
+                                            </p:txEl>
+                                          </p:spTgt>
+                                        </p:tgtEl>
+                                        <p:attrNameLst>
+                                          <p:attrName>style.visibility</p:attrName>
+                                        </p:attrNameLst>
+                                      </p:cBhvr>
+                                      <p:to>
+                                        <p:strVal val="visible"/>
+                                      </p:to>
+                                    </p:set>
+                                  </p:childTnLst>
+                                </p:cTn>
+                              </p:par>
+                            </p:childTnLst>
+                          </p:cTn>
+                        </p:par>
+                      </p:childTnLst>
+                    </p:cTn>
+                  </p:par>
+                </p:childTnLst>
+              </p:cTn>
+              <p:prevCondLst>
+                <p:cond evt="onPrev" delay="0">
+                  <p:tgtEl>
+                    <p:sldTgt/>
+                  </p:tgtEl>
+                </p:cond>
+              </p:prevCondLst>
+              <p:nextCondLst>
+                <p:cond evt="onNext" delay="0">
+                  <p:tgtEl>
+                    <p:sldTgt/>
+                  </p:tgtEl>
+                </p:cond>
+              </p:nextCondLst>
+            </p:seq>
+          </p:childTnLst>
+        </p:cTn>
+      </p:par>
+    </p:tnLst>
+    <p:bldLst>
+      <p:bldP spid="3" grpId="0" uiExpand="1" build="p"/>
+    </p:bldLst>
+  </p:timing>
 </p:sld>
 </file>
 
@@ -18733,21 +19765,25 @@
           <a:lstStyle/>
           <a:p>
             <a:r>
-              <a:rPr lang="en-US" sz="1400"/>
-              <a:t>Judgment Sample: A nonprobability sample in which the sample elements are handpicked because they are expected to serve the research purpose </a:t>
+              <a:rPr lang="en-US" sz="1400" b="1" dirty="0"/>
+              <a:t>Judgment Sample</a:t>
+            </a:r>
+            <a:r>
+              <a:rPr lang="en-US" sz="1400" dirty="0"/>
+              <a:t>: A nonprobability sample in which the sample elements are handpicked because they are expected to serve the research purpose </a:t>
             </a:r>
           </a:p>
           <a:p>
             <a:pPr lvl="1"/>
             <a:r>
-              <a:rPr lang="en-US" sz="1400"/>
+              <a:rPr lang="en-US" sz="1400" dirty="0"/>
               <a:t>The researcher may believe that the sample elements are representative of the larger population or that they can offer the information needed </a:t>
             </a:r>
           </a:p>
           <a:p>
             <a:pPr lvl="1"/>
             <a:r>
-              <a:rPr lang="en-US" sz="1400"/>
+              <a:rPr lang="en-US" sz="1400" dirty="0"/>
               <a:t>A snowball sample is one form of judgment sample</a:t>
             </a:r>
           </a:p>
@@ -18841,6 +19877,183 @@
   <p:clrMapOvr>
     <a:masterClrMapping/>
   </p:clrMapOvr>
+  <p:timing>
+    <p:tnLst>
+      <p:par>
+        <p:cTn id="1" dur="indefinite" restart="never" nodeType="tmRoot">
+          <p:childTnLst>
+            <p:seq concurrent="1" nextAc="seek">
+              <p:cTn id="2" dur="indefinite" nodeType="mainSeq">
+                <p:childTnLst>
+                  <p:par>
+                    <p:cTn id="3" fill="hold">
+                      <p:stCondLst>
+                        <p:cond delay="indefinite"/>
+                      </p:stCondLst>
+                      <p:childTnLst>
+                        <p:par>
+                          <p:cTn id="4" fill="hold">
+                            <p:stCondLst>
+                              <p:cond delay="0"/>
+                            </p:stCondLst>
+                            <p:childTnLst>
+                              <p:par>
+                                <p:cTn id="5" presetID="1" presetClass="entr" presetSubtype="0" fill="hold" nodeType="clickEffect">
+                                  <p:stCondLst>
+                                    <p:cond delay="0"/>
+                                  </p:stCondLst>
+                                  <p:childTnLst>
+                                    <p:set>
+                                      <p:cBhvr>
+                                        <p:cTn id="6" dur="1" fill="hold">
+                                          <p:stCondLst>
+                                            <p:cond delay="0"/>
+                                          </p:stCondLst>
+                                        </p:cTn>
+                                        <p:tgtEl>
+                                          <p:spTgt spid="3">
+                                            <p:txEl>
+                                              <p:pRg st="0" end="0"/>
+                                            </p:txEl>
+                                          </p:spTgt>
+                                        </p:tgtEl>
+                                        <p:attrNameLst>
+                                          <p:attrName>style.visibility</p:attrName>
+                                        </p:attrNameLst>
+                                      </p:cBhvr>
+                                      <p:to>
+                                        <p:strVal val="visible"/>
+                                      </p:to>
+                                    </p:set>
+                                  </p:childTnLst>
+                                </p:cTn>
+                              </p:par>
+                            </p:childTnLst>
+                          </p:cTn>
+                        </p:par>
+                      </p:childTnLst>
+                    </p:cTn>
+                  </p:par>
+                  <p:par>
+                    <p:cTn id="7" fill="hold">
+                      <p:stCondLst>
+                        <p:cond delay="indefinite"/>
+                      </p:stCondLst>
+                      <p:childTnLst>
+                        <p:par>
+                          <p:cTn id="8" fill="hold">
+                            <p:stCondLst>
+                              <p:cond delay="0"/>
+                            </p:stCondLst>
+                            <p:childTnLst>
+                              <p:par>
+                                <p:cTn id="9" presetID="1" presetClass="entr" presetSubtype="0" fill="hold" nodeType="clickEffect">
+                                  <p:stCondLst>
+                                    <p:cond delay="0"/>
+                                  </p:stCondLst>
+                                  <p:childTnLst>
+                                    <p:set>
+                                      <p:cBhvr>
+                                        <p:cTn id="10" dur="1" fill="hold">
+                                          <p:stCondLst>
+                                            <p:cond delay="0"/>
+                                          </p:stCondLst>
+                                        </p:cTn>
+                                        <p:tgtEl>
+                                          <p:spTgt spid="3">
+                                            <p:txEl>
+                                              <p:pRg st="1" end="1"/>
+                                            </p:txEl>
+                                          </p:spTgt>
+                                        </p:tgtEl>
+                                        <p:attrNameLst>
+                                          <p:attrName>style.visibility</p:attrName>
+                                        </p:attrNameLst>
+                                      </p:cBhvr>
+                                      <p:to>
+                                        <p:strVal val="visible"/>
+                                      </p:to>
+                                    </p:set>
+                                  </p:childTnLst>
+                                </p:cTn>
+                              </p:par>
+                            </p:childTnLst>
+                          </p:cTn>
+                        </p:par>
+                      </p:childTnLst>
+                    </p:cTn>
+                  </p:par>
+                  <p:par>
+                    <p:cTn id="11" fill="hold">
+                      <p:stCondLst>
+                        <p:cond delay="indefinite"/>
+                      </p:stCondLst>
+                      <p:childTnLst>
+                        <p:par>
+                          <p:cTn id="12" fill="hold">
+                            <p:stCondLst>
+                              <p:cond delay="0"/>
+                            </p:stCondLst>
+                            <p:childTnLst>
+                              <p:par>
+                                <p:cTn id="13" presetID="1" presetClass="entr" presetSubtype="0" fill="hold" nodeType="clickEffect">
+                                  <p:stCondLst>
+                                    <p:cond delay="0"/>
+                                  </p:stCondLst>
+                                  <p:childTnLst>
+                                    <p:set>
+                                      <p:cBhvr>
+                                        <p:cTn id="14" dur="1" fill="hold">
+                                          <p:stCondLst>
+                                            <p:cond delay="0"/>
+                                          </p:stCondLst>
+                                        </p:cTn>
+                                        <p:tgtEl>
+                                          <p:spTgt spid="3">
+                                            <p:txEl>
+                                              <p:pRg st="2" end="2"/>
+                                            </p:txEl>
+                                          </p:spTgt>
+                                        </p:tgtEl>
+                                        <p:attrNameLst>
+                                          <p:attrName>style.visibility</p:attrName>
+                                        </p:attrNameLst>
+                                      </p:cBhvr>
+                                      <p:to>
+                                        <p:strVal val="visible"/>
+                                      </p:to>
+                                    </p:set>
+                                  </p:childTnLst>
+                                </p:cTn>
+                              </p:par>
+                            </p:childTnLst>
+                          </p:cTn>
+                        </p:par>
+                      </p:childTnLst>
+                    </p:cTn>
+                  </p:par>
+                </p:childTnLst>
+              </p:cTn>
+              <p:prevCondLst>
+                <p:cond evt="onPrev" delay="0">
+                  <p:tgtEl>
+                    <p:sldTgt/>
+                  </p:tgtEl>
+                </p:cond>
+              </p:prevCondLst>
+              <p:nextCondLst>
+                <p:cond evt="onNext" delay="0">
+                  <p:tgtEl>
+                    <p:sldTgt/>
+                  </p:tgtEl>
+                </p:cond>
+              </p:nextCondLst>
+            </p:seq>
+          </p:childTnLst>
+        </p:cTn>
+      </p:par>
+    </p:tnLst>
+  </p:timing>
 </p:sld>
 </file>
 
@@ -19312,14 +20525,14 @@
           <a:lstStyle/>
           <a:p>
             <a:r>
-              <a:rPr lang="en-US" sz="1800"/>
+              <a:rPr lang="en-US" sz="1800" dirty="0"/>
               <a:t>Quota Sample: A nonprobability sample chosen so that the proportion of sample elements with certain characteristics is about he same as the proportion of the elements with the characteristics in the target population </a:t>
             </a:r>
           </a:p>
           <a:p>
             <a:pPr lvl="1"/>
             <a:r>
-              <a:rPr lang="en-US" sz="1800"/>
+              <a:rPr lang="en-US" sz="1800" dirty="0"/>
               <a:t>A “quota” representing these characteristics is established so that when the sample is complete it will mirror the population on the key characteristics </a:t>
             </a:r>
           </a:p>
@@ -19335,6 +20548,134 @@
   <p:clrMapOvr>
     <a:masterClrMapping/>
   </p:clrMapOvr>
+  <p:timing>
+    <p:tnLst>
+      <p:par>
+        <p:cTn id="1" dur="indefinite" restart="never" nodeType="tmRoot">
+          <p:childTnLst>
+            <p:seq concurrent="1" nextAc="seek">
+              <p:cTn id="2" dur="indefinite" nodeType="mainSeq">
+                <p:childTnLst>
+                  <p:par>
+                    <p:cTn id="3" fill="hold">
+                      <p:stCondLst>
+                        <p:cond delay="indefinite"/>
+                      </p:stCondLst>
+                      <p:childTnLst>
+                        <p:par>
+                          <p:cTn id="4" fill="hold">
+                            <p:stCondLst>
+                              <p:cond delay="0"/>
+                            </p:stCondLst>
+                            <p:childTnLst>
+                              <p:par>
+                                <p:cTn id="5" presetID="1" presetClass="entr" presetSubtype="0" fill="hold" nodeType="clickEffect">
+                                  <p:stCondLst>
+                                    <p:cond delay="0"/>
+                                  </p:stCondLst>
+                                  <p:childTnLst>
+                                    <p:set>
+                                      <p:cBhvr>
+                                        <p:cTn id="6" dur="1" fill="hold">
+                                          <p:stCondLst>
+                                            <p:cond delay="0"/>
+                                          </p:stCondLst>
+                                        </p:cTn>
+                                        <p:tgtEl>
+                                          <p:spTgt spid="3">
+                                            <p:txEl>
+                                              <p:pRg st="0" end="0"/>
+                                            </p:txEl>
+                                          </p:spTgt>
+                                        </p:tgtEl>
+                                        <p:attrNameLst>
+                                          <p:attrName>style.visibility</p:attrName>
+                                        </p:attrNameLst>
+                                      </p:cBhvr>
+                                      <p:to>
+                                        <p:strVal val="visible"/>
+                                      </p:to>
+                                    </p:set>
+                                  </p:childTnLst>
+                                </p:cTn>
+                              </p:par>
+                            </p:childTnLst>
+                          </p:cTn>
+                        </p:par>
+                      </p:childTnLst>
+                    </p:cTn>
+                  </p:par>
+                  <p:par>
+                    <p:cTn id="7" fill="hold">
+                      <p:stCondLst>
+                        <p:cond delay="indefinite"/>
+                      </p:stCondLst>
+                      <p:childTnLst>
+                        <p:par>
+                          <p:cTn id="8" fill="hold">
+                            <p:stCondLst>
+                              <p:cond delay="0"/>
+                            </p:stCondLst>
+                            <p:childTnLst>
+                              <p:par>
+                                <p:cTn id="9" presetID="1" presetClass="entr" presetSubtype="0" fill="hold" nodeType="clickEffect">
+                                  <p:stCondLst>
+                                    <p:cond delay="0"/>
+                                  </p:stCondLst>
+                                  <p:childTnLst>
+                                    <p:set>
+                                      <p:cBhvr>
+                                        <p:cTn id="10" dur="1" fill="hold">
+                                          <p:stCondLst>
+                                            <p:cond delay="0"/>
+                                          </p:stCondLst>
+                                        </p:cTn>
+                                        <p:tgtEl>
+                                          <p:spTgt spid="3">
+                                            <p:txEl>
+                                              <p:pRg st="1" end="1"/>
+                                            </p:txEl>
+                                          </p:spTgt>
+                                        </p:tgtEl>
+                                        <p:attrNameLst>
+                                          <p:attrName>style.visibility</p:attrName>
+                                        </p:attrNameLst>
+                                      </p:cBhvr>
+                                      <p:to>
+                                        <p:strVal val="visible"/>
+                                      </p:to>
+                                    </p:set>
+                                  </p:childTnLst>
+                                </p:cTn>
+                              </p:par>
+                            </p:childTnLst>
+                          </p:cTn>
+                        </p:par>
+                      </p:childTnLst>
+                    </p:cTn>
+                  </p:par>
+                </p:childTnLst>
+              </p:cTn>
+              <p:prevCondLst>
+                <p:cond evt="onPrev" delay="0">
+                  <p:tgtEl>
+                    <p:sldTgt/>
+                  </p:tgtEl>
+                </p:cond>
+              </p:prevCondLst>
+              <p:nextCondLst>
+                <p:cond evt="onNext" delay="0">
+                  <p:tgtEl>
+                    <p:sldTgt/>
+                  </p:tgtEl>
+                </p:cond>
+              </p:nextCondLst>
+            </p:seq>
+          </p:childTnLst>
+        </p:cTn>
+      </p:par>
+    </p:tnLst>
+  </p:timing>
 </p:sld>
 </file>
 
@@ -19874,6 +21215,281 @@
   <p:clrMapOvr>
     <a:masterClrMapping/>
   </p:clrMapOvr>
+  <p:timing>
+    <p:tnLst>
+      <p:par>
+        <p:cTn id="1" dur="indefinite" restart="never" nodeType="tmRoot">
+          <p:childTnLst>
+            <p:seq concurrent="1" nextAc="seek">
+              <p:cTn id="2" dur="indefinite" nodeType="mainSeq">
+                <p:childTnLst>
+                  <p:par>
+                    <p:cTn id="3" fill="hold">
+                      <p:stCondLst>
+                        <p:cond delay="indefinite"/>
+                      </p:stCondLst>
+                      <p:childTnLst>
+                        <p:par>
+                          <p:cTn id="4" fill="hold">
+                            <p:stCondLst>
+                              <p:cond delay="0"/>
+                            </p:stCondLst>
+                            <p:childTnLst>
+                              <p:par>
+                                <p:cTn id="5" presetID="1" presetClass="entr" presetSubtype="0" fill="hold" nodeType="clickEffect">
+                                  <p:stCondLst>
+                                    <p:cond delay="0"/>
+                                  </p:stCondLst>
+                                  <p:childTnLst>
+                                    <p:set>
+                                      <p:cBhvr>
+                                        <p:cTn id="6" dur="1" fill="hold">
+                                          <p:stCondLst>
+                                            <p:cond delay="0"/>
+                                          </p:stCondLst>
+                                        </p:cTn>
+                                        <p:tgtEl>
+                                          <p:spTgt spid="3">
+                                            <p:txEl>
+                                              <p:pRg st="0" end="0"/>
+                                            </p:txEl>
+                                          </p:spTgt>
+                                        </p:tgtEl>
+                                        <p:attrNameLst>
+                                          <p:attrName>style.visibility</p:attrName>
+                                        </p:attrNameLst>
+                                      </p:cBhvr>
+                                      <p:to>
+                                        <p:strVal val="visible"/>
+                                      </p:to>
+                                    </p:set>
+                                  </p:childTnLst>
+                                </p:cTn>
+                              </p:par>
+                            </p:childTnLst>
+                          </p:cTn>
+                        </p:par>
+                      </p:childTnLst>
+                    </p:cTn>
+                  </p:par>
+                  <p:par>
+                    <p:cTn id="7" fill="hold">
+                      <p:stCondLst>
+                        <p:cond delay="indefinite"/>
+                      </p:stCondLst>
+                      <p:childTnLst>
+                        <p:par>
+                          <p:cTn id="8" fill="hold">
+                            <p:stCondLst>
+                              <p:cond delay="0"/>
+                            </p:stCondLst>
+                            <p:childTnLst>
+                              <p:par>
+                                <p:cTn id="9" presetID="1" presetClass="entr" presetSubtype="0" fill="hold" nodeType="clickEffect">
+                                  <p:stCondLst>
+                                    <p:cond delay="0"/>
+                                  </p:stCondLst>
+                                  <p:childTnLst>
+                                    <p:set>
+                                      <p:cBhvr>
+                                        <p:cTn id="10" dur="1" fill="hold">
+                                          <p:stCondLst>
+                                            <p:cond delay="0"/>
+                                          </p:stCondLst>
+                                        </p:cTn>
+                                        <p:tgtEl>
+                                          <p:spTgt spid="3">
+                                            <p:txEl>
+                                              <p:pRg st="1" end="1"/>
+                                            </p:txEl>
+                                          </p:spTgt>
+                                        </p:tgtEl>
+                                        <p:attrNameLst>
+                                          <p:attrName>style.visibility</p:attrName>
+                                        </p:attrNameLst>
+                                      </p:cBhvr>
+                                      <p:to>
+                                        <p:strVal val="visible"/>
+                                      </p:to>
+                                    </p:set>
+                                  </p:childTnLst>
+                                </p:cTn>
+                              </p:par>
+                            </p:childTnLst>
+                          </p:cTn>
+                        </p:par>
+                      </p:childTnLst>
+                    </p:cTn>
+                  </p:par>
+                  <p:par>
+                    <p:cTn id="11" fill="hold">
+                      <p:stCondLst>
+                        <p:cond delay="indefinite"/>
+                      </p:stCondLst>
+                      <p:childTnLst>
+                        <p:par>
+                          <p:cTn id="12" fill="hold">
+                            <p:stCondLst>
+                              <p:cond delay="0"/>
+                            </p:stCondLst>
+                            <p:childTnLst>
+                              <p:par>
+                                <p:cTn id="13" presetID="1" presetClass="entr" presetSubtype="0" fill="hold" nodeType="clickEffect">
+                                  <p:stCondLst>
+                                    <p:cond delay="0"/>
+                                  </p:stCondLst>
+                                  <p:childTnLst>
+                                    <p:set>
+                                      <p:cBhvr>
+                                        <p:cTn id="14" dur="1" fill="hold">
+                                          <p:stCondLst>
+                                            <p:cond delay="0"/>
+                                          </p:stCondLst>
+                                        </p:cTn>
+                                        <p:tgtEl>
+                                          <p:spTgt spid="3">
+                                            <p:txEl>
+                                              <p:pRg st="2" end="2"/>
+                                            </p:txEl>
+                                          </p:spTgt>
+                                        </p:tgtEl>
+                                        <p:attrNameLst>
+                                          <p:attrName>style.visibility</p:attrName>
+                                        </p:attrNameLst>
+                                      </p:cBhvr>
+                                      <p:to>
+                                        <p:strVal val="visible"/>
+                                      </p:to>
+                                    </p:set>
+                                  </p:childTnLst>
+                                </p:cTn>
+                              </p:par>
+                            </p:childTnLst>
+                          </p:cTn>
+                        </p:par>
+                      </p:childTnLst>
+                    </p:cTn>
+                  </p:par>
+                  <p:par>
+                    <p:cTn id="15" fill="hold">
+                      <p:stCondLst>
+                        <p:cond delay="indefinite"/>
+                      </p:stCondLst>
+                      <p:childTnLst>
+                        <p:par>
+                          <p:cTn id="16" fill="hold">
+                            <p:stCondLst>
+                              <p:cond delay="0"/>
+                            </p:stCondLst>
+                            <p:childTnLst>
+                              <p:par>
+                                <p:cTn id="17" presetID="1" presetClass="entr" presetSubtype="0" fill="hold" nodeType="clickEffect">
+                                  <p:stCondLst>
+                                    <p:cond delay="0"/>
+                                  </p:stCondLst>
+                                  <p:childTnLst>
+                                    <p:set>
+                                      <p:cBhvr>
+                                        <p:cTn id="18" dur="1" fill="hold">
+                                          <p:stCondLst>
+                                            <p:cond delay="0"/>
+                                          </p:stCondLst>
+                                        </p:cTn>
+                                        <p:tgtEl>
+                                          <p:spTgt spid="3">
+                                            <p:txEl>
+                                              <p:pRg st="3" end="3"/>
+                                            </p:txEl>
+                                          </p:spTgt>
+                                        </p:tgtEl>
+                                        <p:attrNameLst>
+                                          <p:attrName>style.visibility</p:attrName>
+                                        </p:attrNameLst>
+                                      </p:cBhvr>
+                                      <p:to>
+                                        <p:strVal val="visible"/>
+                                      </p:to>
+                                    </p:set>
+                                  </p:childTnLst>
+                                </p:cTn>
+                              </p:par>
+                            </p:childTnLst>
+                          </p:cTn>
+                        </p:par>
+                      </p:childTnLst>
+                    </p:cTn>
+                  </p:par>
+                  <p:par>
+                    <p:cTn id="19" fill="hold">
+                      <p:stCondLst>
+                        <p:cond delay="indefinite"/>
+                      </p:stCondLst>
+                      <p:childTnLst>
+                        <p:par>
+                          <p:cTn id="20" fill="hold">
+                            <p:stCondLst>
+                              <p:cond delay="0"/>
+                            </p:stCondLst>
+                            <p:childTnLst>
+                              <p:par>
+                                <p:cTn id="21" presetID="1" presetClass="entr" presetSubtype="0" fill="hold" nodeType="clickEffect">
+                                  <p:stCondLst>
+                                    <p:cond delay="0"/>
+                                  </p:stCondLst>
+                                  <p:childTnLst>
+                                    <p:set>
+                                      <p:cBhvr>
+                                        <p:cTn id="22" dur="1" fill="hold">
+                                          <p:stCondLst>
+                                            <p:cond delay="0"/>
+                                          </p:stCondLst>
+                                        </p:cTn>
+                                        <p:tgtEl>
+                                          <p:spTgt spid="3">
+                                            <p:txEl>
+                                              <p:pRg st="4" end="4"/>
+                                            </p:txEl>
+                                          </p:spTgt>
+                                        </p:tgtEl>
+                                        <p:attrNameLst>
+                                          <p:attrName>style.visibility</p:attrName>
+                                        </p:attrNameLst>
+                                      </p:cBhvr>
+                                      <p:to>
+                                        <p:strVal val="visible"/>
+                                      </p:to>
+                                    </p:set>
+                                  </p:childTnLst>
+                                </p:cTn>
+                              </p:par>
+                            </p:childTnLst>
+                          </p:cTn>
+                        </p:par>
+                      </p:childTnLst>
+                    </p:cTn>
+                  </p:par>
+                </p:childTnLst>
+              </p:cTn>
+              <p:prevCondLst>
+                <p:cond evt="onPrev" delay="0">
+                  <p:tgtEl>
+                    <p:sldTgt/>
+                  </p:tgtEl>
+                </p:cond>
+              </p:prevCondLst>
+              <p:nextCondLst>
+                <p:cond evt="onNext" delay="0">
+                  <p:tgtEl>
+                    <p:sldTgt/>
+                  </p:tgtEl>
+                </p:cond>
+              </p:nextCondLst>
+            </p:seq>
+          </p:childTnLst>
+        </p:cTn>
+      </p:par>
+    </p:tnLst>
+  </p:timing>
 </p:sld>
 </file>
 
@@ -21145,49 +22761,49 @@
           <a:lstStyle/>
           <a:p>
             <a:r>
-              <a:rPr lang="en-US" sz="2200"/>
+              <a:rPr lang="en-US" sz="2200" dirty="0"/>
               <a:t>Probability Sample: A sample in which each target population element has </a:t>
             </a:r>
             <a:r>
-              <a:rPr lang="en-US" sz="2200" b="1" i="1"/>
+              <a:rPr lang="en-US" sz="2200" b="1" i="1" dirty="0"/>
               <a:t>a known, nonzero</a:t>
             </a:r>
             <a:r>
-              <a:rPr lang="en-US" sz="2200"/>
+              <a:rPr lang="en-US" sz="2200" dirty="0"/>
               <a:t> chance of being included in the sample </a:t>
             </a:r>
           </a:p>
           <a:p>
             <a:r>
-              <a:rPr lang="en-US" sz="2200"/>
+              <a:rPr lang="en-US" sz="2200" dirty="0"/>
               <a:t>With probability samples there is a random component to which elements are elected; sampling error can be estimated </a:t>
             </a:r>
           </a:p>
           <a:p>
             <a:pPr lvl="1"/>
             <a:r>
-              <a:rPr lang="en-US" sz="2200"/>
+              <a:rPr lang="en-US" sz="2200" dirty="0"/>
               <a:t>Simple random </a:t>
             </a:r>
           </a:p>
           <a:p>
             <a:pPr lvl="1"/>
             <a:r>
-              <a:rPr lang="en-US" sz="2200"/>
+              <a:rPr lang="en-US" sz="2200" dirty="0"/>
               <a:t>Systematic </a:t>
             </a:r>
           </a:p>
           <a:p>
             <a:pPr lvl="1"/>
             <a:r>
-              <a:rPr lang="en-US" sz="2200"/>
+              <a:rPr lang="en-US" sz="2200" dirty="0"/>
               <a:t>Stratified </a:t>
             </a:r>
           </a:p>
           <a:p>
             <a:pPr lvl="1"/>
             <a:r>
-              <a:rPr lang="en-US" sz="2200"/>
+              <a:rPr lang="en-US" sz="2200" dirty="0"/>
               <a:t>Cluster (including area)</a:t>
             </a:r>
           </a:p>
@@ -21203,6 +22819,261 @@
   <p:clrMapOvr>
     <a:masterClrMapping/>
   </p:clrMapOvr>
+  <p:timing>
+    <p:tnLst>
+      <p:par>
+        <p:cTn id="1" dur="indefinite" restart="never" nodeType="tmRoot">
+          <p:childTnLst>
+            <p:seq concurrent="1" nextAc="seek">
+              <p:cTn id="2" dur="indefinite" nodeType="mainSeq">
+                <p:childTnLst>
+                  <p:par>
+                    <p:cTn id="3" fill="hold">
+                      <p:stCondLst>
+                        <p:cond delay="indefinite"/>
+                      </p:stCondLst>
+                      <p:childTnLst>
+                        <p:par>
+                          <p:cTn id="4" fill="hold">
+                            <p:stCondLst>
+                              <p:cond delay="0"/>
+                            </p:stCondLst>
+                            <p:childTnLst>
+                              <p:par>
+                                <p:cTn id="5" presetID="1" presetClass="entr" presetSubtype="0" fill="hold" grpId="0" nodeType="clickEffect">
+                                  <p:stCondLst>
+                                    <p:cond delay="0"/>
+                                  </p:stCondLst>
+                                  <p:childTnLst>
+                                    <p:set>
+                                      <p:cBhvr>
+                                        <p:cTn id="6" dur="1" fill="hold">
+                                          <p:stCondLst>
+                                            <p:cond delay="0"/>
+                                          </p:stCondLst>
+                                        </p:cTn>
+                                        <p:tgtEl>
+                                          <p:spTgt spid="3">
+                                            <p:txEl>
+                                              <p:pRg st="0" end="0"/>
+                                            </p:txEl>
+                                          </p:spTgt>
+                                        </p:tgtEl>
+                                        <p:attrNameLst>
+                                          <p:attrName>style.visibility</p:attrName>
+                                        </p:attrNameLst>
+                                      </p:cBhvr>
+                                      <p:to>
+                                        <p:strVal val="visible"/>
+                                      </p:to>
+                                    </p:set>
+                                  </p:childTnLst>
+                                </p:cTn>
+                              </p:par>
+                            </p:childTnLst>
+                          </p:cTn>
+                        </p:par>
+                      </p:childTnLst>
+                    </p:cTn>
+                  </p:par>
+                  <p:par>
+                    <p:cTn id="7" fill="hold">
+                      <p:stCondLst>
+                        <p:cond delay="indefinite"/>
+                      </p:stCondLst>
+                      <p:childTnLst>
+                        <p:par>
+                          <p:cTn id="8" fill="hold">
+                            <p:stCondLst>
+                              <p:cond delay="0"/>
+                            </p:stCondLst>
+                            <p:childTnLst>
+                              <p:par>
+                                <p:cTn id="9" presetID="1" presetClass="entr" presetSubtype="0" fill="hold" grpId="0" nodeType="clickEffect">
+                                  <p:stCondLst>
+                                    <p:cond delay="0"/>
+                                  </p:stCondLst>
+                                  <p:childTnLst>
+                                    <p:set>
+                                      <p:cBhvr>
+                                        <p:cTn id="10" dur="1" fill="hold">
+                                          <p:stCondLst>
+                                            <p:cond delay="0"/>
+                                          </p:stCondLst>
+                                        </p:cTn>
+                                        <p:tgtEl>
+                                          <p:spTgt spid="3">
+                                            <p:txEl>
+                                              <p:pRg st="1" end="1"/>
+                                            </p:txEl>
+                                          </p:spTgt>
+                                        </p:tgtEl>
+                                        <p:attrNameLst>
+                                          <p:attrName>style.visibility</p:attrName>
+                                        </p:attrNameLst>
+                                      </p:cBhvr>
+                                      <p:to>
+                                        <p:strVal val="visible"/>
+                                      </p:to>
+                                    </p:set>
+                                  </p:childTnLst>
+                                </p:cTn>
+                              </p:par>
+                              <p:par>
+                                <p:cTn id="11" presetID="1" presetClass="entr" presetSubtype="0" fill="hold" grpId="0" nodeType="withEffect">
+                                  <p:stCondLst>
+                                    <p:cond delay="0"/>
+                                  </p:stCondLst>
+                                  <p:childTnLst>
+                                    <p:set>
+                                      <p:cBhvr>
+                                        <p:cTn id="12" dur="1" fill="hold">
+                                          <p:stCondLst>
+                                            <p:cond delay="0"/>
+                                          </p:stCondLst>
+                                        </p:cTn>
+                                        <p:tgtEl>
+                                          <p:spTgt spid="3">
+                                            <p:txEl>
+                                              <p:pRg st="2" end="2"/>
+                                            </p:txEl>
+                                          </p:spTgt>
+                                        </p:tgtEl>
+                                        <p:attrNameLst>
+                                          <p:attrName>style.visibility</p:attrName>
+                                        </p:attrNameLst>
+                                      </p:cBhvr>
+                                      <p:to>
+                                        <p:strVal val="visible"/>
+                                      </p:to>
+                                    </p:set>
+                                  </p:childTnLst>
+                                </p:cTn>
+                              </p:par>
+                              <p:par>
+                                <p:cTn id="13" presetID="1" presetClass="entr" presetSubtype="0" fill="hold" grpId="0" nodeType="withEffect">
+                                  <p:stCondLst>
+                                    <p:cond delay="0"/>
+                                  </p:stCondLst>
+                                  <p:childTnLst>
+                                    <p:set>
+                                      <p:cBhvr>
+                                        <p:cTn id="14" dur="1" fill="hold">
+                                          <p:stCondLst>
+                                            <p:cond delay="0"/>
+                                          </p:stCondLst>
+                                        </p:cTn>
+                                        <p:tgtEl>
+                                          <p:spTgt spid="3">
+                                            <p:txEl>
+                                              <p:pRg st="3" end="3"/>
+                                            </p:txEl>
+                                          </p:spTgt>
+                                        </p:tgtEl>
+                                        <p:attrNameLst>
+                                          <p:attrName>style.visibility</p:attrName>
+                                        </p:attrNameLst>
+                                      </p:cBhvr>
+                                      <p:to>
+                                        <p:strVal val="visible"/>
+                                      </p:to>
+                                    </p:set>
+                                  </p:childTnLst>
+                                </p:cTn>
+                              </p:par>
+                              <p:par>
+                                <p:cTn id="15" presetID="1" presetClass="entr" presetSubtype="0" fill="hold" grpId="0" nodeType="withEffect">
+                                  <p:stCondLst>
+                                    <p:cond delay="0"/>
+                                  </p:stCondLst>
+                                  <p:childTnLst>
+                                    <p:set>
+                                      <p:cBhvr>
+                                        <p:cTn id="16" dur="1" fill="hold">
+                                          <p:stCondLst>
+                                            <p:cond delay="0"/>
+                                          </p:stCondLst>
+                                        </p:cTn>
+                                        <p:tgtEl>
+                                          <p:spTgt spid="3">
+                                            <p:txEl>
+                                              <p:pRg st="4" end="4"/>
+                                            </p:txEl>
+                                          </p:spTgt>
+                                        </p:tgtEl>
+                                        <p:attrNameLst>
+                                          <p:attrName>style.visibility</p:attrName>
+                                        </p:attrNameLst>
+                                      </p:cBhvr>
+                                      <p:to>
+                                        <p:strVal val="visible"/>
+                                      </p:to>
+                                    </p:set>
+                                  </p:childTnLst>
+                                </p:cTn>
+                              </p:par>
+                              <p:par>
+                                <p:cTn id="17" presetID="1" presetClass="entr" presetSubtype="0" fill="hold" grpId="0" nodeType="withEffect">
+                                  <p:stCondLst>
+                                    <p:cond delay="0"/>
+                                  </p:stCondLst>
+                                  <p:childTnLst>
+                                    <p:set>
+                                      <p:cBhvr>
+                                        <p:cTn id="18" dur="1" fill="hold">
+                                          <p:stCondLst>
+                                            <p:cond delay="0"/>
+                                          </p:stCondLst>
+                                        </p:cTn>
+                                        <p:tgtEl>
+                                          <p:spTgt spid="3">
+                                            <p:txEl>
+                                              <p:pRg st="5" end="5"/>
+                                            </p:txEl>
+                                          </p:spTgt>
+                                        </p:tgtEl>
+                                        <p:attrNameLst>
+                                          <p:attrName>style.visibility</p:attrName>
+                                        </p:attrNameLst>
+                                      </p:cBhvr>
+                                      <p:to>
+                                        <p:strVal val="visible"/>
+                                      </p:to>
+                                    </p:set>
+                                  </p:childTnLst>
+                                </p:cTn>
+                              </p:par>
+                            </p:childTnLst>
+                          </p:cTn>
+                        </p:par>
+                      </p:childTnLst>
+                    </p:cTn>
+                  </p:par>
+                </p:childTnLst>
+              </p:cTn>
+              <p:prevCondLst>
+                <p:cond evt="onPrev" delay="0">
+                  <p:tgtEl>
+                    <p:sldTgt/>
+                  </p:tgtEl>
+                </p:cond>
+              </p:prevCondLst>
+              <p:nextCondLst>
+                <p:cond evt="onNext" delay="0">
+                  <p:tgtEl>
+                    <p:sldTgt/>
+                  </p:tgtEl>
+                </p:cond>
+              </p:nextCondLst>
+            </p:seq>
+          </p:childTnLst>
+        </p:cTn>
+      </p:par>
+    </p:tnLst>
+    <p:bldLst>
+      <p:bldP spid="3" grpId="0" build="p"/>
+    </p:bldLst>
+  </p:timing>
 </p:sld>
 </file>
 
@@ -22358,6 +24229,119 @@
   <p:clrMapOvr>
     <a:masterClrMapping/>
   </p:clrMapOvr>
+  <p:timing>
+    <p:tnLst>
+      <p:par>
+        <p:cTn id="1" dur="indefinite" restart="never" nodeType="tmRoot">
+          <p:childTnLst>
+            <p:seq concurrent="1" nextAc="seek">
+              <p:cTn id="2" dur="indefinite" nodeType="mainSeq">
+                <p:childTnLst>
+                  <p:par>
+                    <p:cTn id="3" fill="hold">
+                      <p:stCondLst>
+                        <p:cond delay="indefinite"/>
+                      </p:stCondLst>
+                      <p:childTnLst>
+                        <p:par>
+                          <p:cTn id="4" fill="hold">
+                            <p:stCondLst>
+                              <p:cond delay="0"/>
+                            </p:stCondLst>
+                            <p:childTnLst>
+                              <p:par>
+                                <p:cTn id="5" presetID="1" presetClass="entr" presetSubtype="0" fill="hold" grpId="0" nodeType="clickEffect">
+                                  <p:stCondLst>
+                                    <p:cond delay="0"/>
+                                  </p:stCondLst>
+                                  <p:childTnLst>
+                                    <p:set>
+                                      <p:cBhvr>
+                                        <p:cTn id="6" dur="1" fill="hold">
+                                          <p:stCondLst>
+                                            <p:cond delay="0"/>
+                                          </p:stCondLst>
+                                        </p:cTn>
+                                        <p:tgtEl>
+                                          <p:spTgt spid="3">
+                                            <p:txEl>
+                                              <p:pRg st="0" end="0"/>
+                                            </p:txEl>
+                                          </p:spTgt>
+                                        </p:tgtEl>
+                                        <p:attrNameLst>
+                                          <p:attrName>style.visibility</p:attrName>
+                                        </p:attrNameLst>
+                                      </p:cBhvr>
+                                      <p:to>
+                                        <p:strVal val="visible"/>
+                                      </p:to>
+                                    </p:set>
+                                  </p:childTnLst>
+                                </p:cTn>
+                              </p:par>
+                              <p:par>
+                                <p:cTn id="7" presetID="1" presetClass="entr" presetSubtype="0" fill="hold" grpId="0" nodeType="withEffect">
+                                  <p:stCondLst>
+                                    <p:cond delay="0"/>
+                                  </p:stCondLst>
+                                  <p:childTnLst>
+                                    <p:set>
+                                      <p:cBhvr>
+                                        <p:cTn id="8" dur="1" fill="hold">
+                                          <p:stCondLst>
+                                            <p:cond delay="0"/>
+                                          </p:stCondLst>
+                                        </p:cTn>
+                                        <p:tgtEl>
+                                          <p:spTgt spid="3">
+                                            <p:txEl>
+                                              <p:pRg st="1" end="1"/>
+                                            </p:txEl>
+                                          </p:spTgt>
+                                        </p:tgtEl>
+                                        <p:attrNameLst>
+                                          <p:attrName>style.visibility</p:attrName>
+                                        </p:attrNameLst>
+                                      </p:cBhvr>
+                                      <p:to>
+                                        <p:strVal val="visible"/>
+                                      </p:to>
+                                    </p:set>
+                                  </p:childTnLst>
+                                </p:cTn>
+                              </p:par>
+                            </p:childTnLst>
+                          </p:cTn>
+                        </p:par>
+                      </p:childTnLst>
+                    </p:cTn>
+                  </p:par>
+                </p:childTnLst>
+              </p:cTn>
+              <p:prevCondLst>
+                <p:cond evt="onPrev" delay="0">
+                  <p:tgtEl>
+                    <p:sldTgt/>
+                  </p:tgtEl>
+                </p:cond>
+              </p:prevCondLst>
+              <p:nextCondLst>
+                <p:cond evt="onNext" delay="0">
+                  <p:tgtEl>
+                    <p:sldTgt/>
+                  </p:tgtEl>
+                </p:cond>
+              </p:nextCondLst>
+            </p:seq>
+          </p:childTnLst>
+        </p:cTn>
+      </p:par>
+    </p:tnLst>
+    <p:bldLst>
+      <p:bldP spid="3" grpId="0" build="p"/>
+    </p:bldLst>
+  </p:timing>
 </p:sld>
 </file>
 
@@ -22860,6 +24844,119 @@
   <p:clrMapOvr>
     <a:masterClrMapping/>
   </p:clrMapOvr>
+  <p:timing>
+    <p:tnLst>
+      <p:par>
+        <p:cTn id="1" dur="indefinite" restart="never" nodeType="tmRoot">
+          <p:childTnLst>
+            <p:seq concurrent="1" nextAc="seek">
+              <p:cTn id="2" dur="indefinite" nodeType="mainSeq">
+                <p:childTnLst>
+                  <p:par>
+                    <p:cTn id="3" fill="hold">
+                      <p:stCondLst>
+                        <p:cond delay="indefinite"/>
+                      </p:stCondLst>
+                      <p:childTnLst>
+                        <p:par>
+                          <p:cTn id="4" fill="hold">
+                            <p:stCondLst>
+                              <p:cond delay="0"/>
+                            </p:stCondLst>
+                            <p:childTnLst>
+                              <p:par>
+                                <p:cTn id="5" presetID="1" presetClass="entr" presetSubtype="0" fill="hold" grpId="0" nodeType="clickEffect">
+                                  <p:stCondLst>
+                                    <p:cond delay="0"/>
+                                  </p:stCondLst>
+                                  <p:childTnLst>
+                                    <p:set>
+                                      <p:cBhvr>
+                                        <p:cTn id="6" dur="1" fill="hold">
+                                          <p:stCondLst>
+                                            <p:cond delay="0"/>
+                                          </p:stCondLst>
+                                        </p:cTn>
+                                        <p:tgtEl>
+                                          <p:spTgt spid="3">
+                                            <p:txEl>
+                                              <p:pRg st="0" end="0"/>
+                                            </p:txEl>
+                                          </p:spTgt>
+                                        </p:tgtEl>
+                                        <p:attrNameLst>
+                                          <p:attrName>style.visibility</p:attrName>
+                                        </p:attrNameLst>
+                                      </p:cBhvr>
+                                      <p:to>
+                                        <p:strVal val="visible"/>
+                                      </p:to>
+                                    </p:set>
+                                  </p:childTnLst>
+                                </p:cTn>
+                              </p:par>
+                              <p:par>
+                                <p:cTn id="7" presetID="1" presetClass="entr" presetSubtype="0" fill="hold" grpId="0" nodeType="withEffect">
+                                  <p:stCondLst>
+                                    <p:cond delay="0"/>
+                                  </p:stCondLst>
+                                  <p:childTnLst>
+                                    <p:set>
+                                      <p:cBhvr>
+                                        <p:cTn id="8" dur="1" fill="hold">
+                                          <p:stCondLst>
+                                            <p:cond delay="0"/>
+                                          </p:stCondLst>
+                                        </p:cTn>
+                                        <p:tgtEl>
+                                          <p:spTgt spid="3">
+                                            <p:txEl>
+                                              <p:pRg st="1" end="1"/>
+                                            </p:txEl>
+                                          </p:spTgt>
+                                        </p:tgtEl>
+                                        <p:attrNameLst>
+                                          <p:attrName>style.visibility</p:attrName>
+                                        </p:attrNameLst>
+                                      </p:cBhvr>
+                                      <p:to>
+                                        <p:strVal val="visible"/>
+                                      </p:to>
+                                    </p:set>
+                                  </p:childTnLst>
+                                </p:cTn>
+                              </p:par>
+                            </p:childTnLst>
+                          </p:cTn>
+                        </p:par>
+                      </p:childTnLst>
+                    </p:cTn>
+                  </p:par>
+                </p:childTnLst>
+              </p:cTn>
+              <p:prevCondLst>
+                <p:cond evt="onPrev" delay="0">
+                  <p:tgtEl>
+                    <p:sldTgt/>
+                  </p:tgtEl>
+                </p:cond>
+              </p:prevCondLst>
+              <p:nextCondLst>
+                <p:cond evt="onNext" delay="0">
+                  <p:tgtEl>
+                    <p:sldTgt/>
+                  </p:tgtEl>
+                </p:cond>
+              </p:nextCondLst>
+            </p:seq>
+          </p:childTnLst>
+        </p:cTn>
+      </p:par>
+    </p:tnLst>
+    <p:bldLst>
+      <p:bldP spid="3" grpId="0" build="p"/>
+    </p:bldLst>
+  </p:timing>
 </p:sld>
 </file>
 
@@ -23560,6 +25657,186 @@
   <p:clrMapOvr>
     <a:masterClrMapping/>
   </p:clrMapOvr>
+  <p:timing>
+    <p:tnLst>
+      <p:par>
+        <p:cTn id="1" dur="indefinite" restart="never" nodeType="tmRoot">
+          <p:childTnLst>
+            <p:seq concurrent="1" nextAc="seek">
+              <p:cTn id="2" dur="indefinite" nodeType="mainSeq">
+                <p:childTnLst>
+                  <p:par>
+                    <p:cTn id="3" fill="hold">
+                      <p:stCondLst>
+                        <p:cond delay="indefinite"/>
+                      </p:stCondLst>
+                      <p:childTnLst>
+                        <p:par>
+                          <p:cTn id="4" fill="hold">
+                            <p:stCondLst>
+                              <p:cond delay="0"/>
+                            </p:stCondLst>
+                            <p:childTnLst>
+                              <p:par>
+                                <p:cTn id="5" presetID="1" presetClass="entr" presetSubtype="0" fill="hold" grpId="0" nodeType="clickEffect">
+                                  <p:stCondLst>
+                                    <p:cond delay="0"/>
+                                  </p:stCondLst>
+                                  <p:childTnLst>
+                                    <p:set>
+                                      <p:cBhvr>
+                                        <p:cTn id="6" dur="1" fill="hold">
+                                          <p:stCondLst>
+                                            <p:cond delay="0"/>
+                                          </p:stCondLst>
+                                        </p:cTn>
+                                        <p:tgtEl>
+                                          <p:spTgt spid="3">
+                                            <p:txEl>
+                                              <p:pRg st="0" end="0"/>
+                                            </p:txEl>
+                                          </p:spTgt>
+                                        </p:tgtEl>
+                                        <p:attrNameLst>
+                                          <p:attrName>style.visibility</p:attrName>
+                                        </p:attrNameLst>
+                                      </p:cBhvr>
+                                      <p:to>
+                                        <p:strVal val="visible"/>
+                                      </p:to>
+                                    </p:set>
+                                  </p:childTnLst>
+                                </p:cTn>
+                              </p:par>
+                            </p:childTnLst>
+                          </p:cTn>
+                        </p:par>
+                      </p:childTnLst>
+                    </p:cTn>
+                  </p:par>
+                  <p:par>
+                    <p:cTn id="7" fill="hold">
+                      <p:stCondLst>
+                        <p:cond delay="indefinite"/>
+                      </p:stCondLst>
+                      <p:childTnLst>
+                        <p:par>
+                          <p:cTn id="8" fill="hold">
+                            <p:stCondLst>
+                              <p:cond delay="0"/>
+                            </p:stCondLst>
+                            <p:childTnLst>
+                              <p:par>
+                                <p:cTn id="9" presetID="1" presetClass="entr" presetSubtype="0" fill="hold" grpId="0" nodeType="clickEffect">
+                                  <p:stCondLst>
+                                    <p:cond delay="0"/>
+                                  </p:stCondLst>
+                                  <p:childTnLst>
+                                    <p:set>
+                                      <p:cBhvr>
+                                        <p:cTn id="10" dur="1" fill="hold">
+                                          <p:stCondLst>
+                                            <p:cond delay="0"/>
+                                          </p:stCondLst>
+                                        </p:cTn>
+                                        <p:tgtEl>
+                                          <p:spTgt spid="3">
+                                            <p:txEl>
+                                              <p:pRg st="1" end="1"/>
+                                            </p:txEl>
+                                          </p:spTgt>
+                                        </p:tgtEl>
+                                        <p:attrNameLst>
+                                          <p:attrName>style.visibility</p:attrName>
+                                        </p:attrNameLst>
+                                      </p:cBhvr>
+                                      <p:to>
+                                        <p:strVal val="visible"/>
+                                      </p:to>
+                                    </p:set>
+                                  </p:childTnLst>
+                                </p:cTn>
+                              </p:par>
+                            </p:childTnLst>
+                          </p:cTn>
+                        </p:par>
+                      </p:childTnLst>
+                    </p:cTn>
+                  </p:par>
+                  <p:par>
+                    <p:cTn id="11" fill="hold">
+                      <p:stCondLst>
+                        <p:cond delay="indefinite"/>
+                      </p:stCondLst>
+                      <p:childTnLst>
+                        <p:par>
+                          <p:cTn id="12" fill="hold">
+                            <p:stCondLst>
+                              <p:cond delay="0"/>
+                            </p:stCondLst>
+                            <p:childTnLst>
+                              <p:par>
+                                <p:cTn id="13" presetID="1" presetClass="entr" presetSubtype="0" fill="hold" grpId="0" nodeType="clickEffect">
+                                  <p:stCondLst>
+                                    <p:cond delay="0"/>
+                                  </p:stCondLst>
+                                  <p:childTnLst>
+                                    <p:set>
+                                      <p:cBhvr>
+                                        <p:cTn id="14" dur="1" fill="hold">
+                                          <p:stCondLst>
+                                            <p:cond delay="0"/>
+                                          </p:stCondLst>
+                                        </p:cTn>
+                                        <p:tgtEl>
+                                          <p:spTgt spid="3">
+                                            <p:txEl>
+                                              <p:pRg st="2" end="2"/>
+                                            </p:txEl>
+                                          </p:spTgt>
+                                        </p:tgtEl>
+                                        <p:attrNameLst>
+                                          <p:attrName>style.visibility</p:attrName>
+                                        </p:attrNameLst>
+                                      </p:cBhvr>
+                                      <p:to>
+                                        <p:strVal val="visible"/>
+                                      </p:to>
+                                    </p:set>
+                                  </p:childTnLst>
+                                </p:cTn>
+                              </p:par>
+                            </p:childTnLst>
+                          </p:cTn>
+                        </p:par>
+                      </p:childTnLst>
+                    </p:cTn>
+                  </p:par>
+                </p:childTnLst>
+              </p:cTn>
+              <p:prevCondLst>
+                <p:cond evt="onPrev" delay="0">
+                  <p:tgtEl>
+                    <p:sldTgt/>
+                  </p:tgtEl>
+                </p:cond>
+              </p:prevCondLst>
+              <p:nextCondLst>
+                <p:cond evt="onNext" delay="0">
+                  <p:tgtEl>
+                    <p:sldTgt/>
+                  </p:tgtEl>
+                </p:cond>
+              </p:nextCondLst>
+            </p:seq>
+          </p:childTnLst>
+        </p:cTn>
+      </p:par>
+    </p:tnLst>
+    <p:bldLst>
+      <p:bldP spid="3" grpId="0" build="p"/>
+    </p:bldLst>
+  </p:timing>
 </p:sld>
 </file>
 
@@ -24583,6 +26860,274 @@
   <p:clrMapOvr>
     <a:masterClrMapping/>
   </p:clrMapOvr>
+  <p:timing>
+    <p:tnLst>
+      <p:par>
+        <p:cTn id="1" dur="indefinite" restart="never" nodeType="tmRoot">
+          <p:childTnLst>
+            <p:seq concurrent="1" nextAc="seek">
+              <p:cTn id="2" dur="indefinite" nodeType="mainSeq">
+                <p:childTnLst>
+                  <p:par>
+                    <p:cTn id="3" fill="hold">
+                      <p:stCondLst>
+                        <p:cond delay="indefinite"/>
+                      </p:stCondLst>
+                      <p:childTnLst>
+                        <p:par>
+                          <p:cTn id="4" fill="hold">
+                            <p:stCondLst>
+                              <p:cond delay="0"/>
+                            </p:stCondLst>
+                            <p:childTnLst>
+                              <p:par>
+                                <p:cTn id="5" presetID="1" presetClass="entr" presetSubtype="0" fill="hold" grpId="0" nodeType="clickEffect">
+                                  <p:stCondLst>
+                                    <p:cond delay="0"/>
+                                  </p:stCondLst>
+                                  <p:childTnLst>
+                                    <p:set>
+                                      <p:cBhvr>
+                                        <p:cTn id="6" dur="1" fill="hold">
+                                          <p:stCondLst>
+                                            <p:cond delay="0"/>
+                                          </p:stCondLst>
+                                        </p:cTn>
+                                        <p:tgtEl>
+                                          <p:spTgt spid="3">
+                                            <p:txEl>
+                                              <p:pRg st="0" end="0"/>
+                                            </p:txEl>
+                                          </p:spTgt>
+                                        </p:tgtEl>
+                                        <p:attrNameLst>
+                                          <p:attrName>style.visibility</p:attrName>
+                                        </p:attrNameLst>
+                                      </p:cBhvr>
+                                      <p:to>
+                                        <p:strVal val="visible"/>
+                                      </p:to>
+                                    </p:set>
+                                  </p:childTnLst>
+                                </p:cTn>
+                              </p:par>
+                              <p:par>
+                                <p:cTn id="7" presetID="1" presetClass="entr" presetSubtype="0" fill="hold" grpId="0" nodeType="withEffect">
+                                  <p:stCondLst>
+                                    <p:cond delay="0"/>
+                                  </p:stCondLst>
+                                  <p:childTnLst>
+                                    <p:set>
+                                      <p:cBhvr>
+                                        <p:cTn id="8" dur="1" fill="hold">
+                                          <p:stCondLst>
+                                            <p:cond delay="0"/>
+                                          </p:stCondLst>
+                                        </p:cTn>
+                                        <p:tgtEl>
+                                          <p:spTgt spid="3">
+                                            <p:txEl>
+                                              <p:pRg st="1" end="1"/>
+                                            </p:txEl>
+                                          </p:spTgt>
+                                        </p:tgtEl>
+                                        <p:attrNameLst>
+                                          <p:attrName>style.visibility</p:attrName>
+                                        </p:attrNameLst>
+                                      </p:cBhvr>
+                                      <p:to>
+                                        <p:strVal val="visible"/>
+                                      </p:to>
+                                    </p:set>
+                                  </p:childTnLst>
+                                </p:cTn>
+                              </p:par>
+                              <p:par>
+                                <p:cTn id="9" presetID="1" presetClass="entr" presetSubtype="0" fill="hold" grpId="0" nodeType="withEffect">
+                                  <p:stCondLst>
+                                    <p:cond delay="0"/>
+                                  </p:stCondLst>
+                                  <p:childTnLst>
+                                    <p:set>
+                                      <p:cBhvr>
+                                        <p:cTn id="10" dur="1" fill="hold">
+                                          <p:stCondLst>
+                                            <p:cond delay="0"/>
+                                          </p:stCondLst>
+                                        </p:cTn>
+                                        <p:tgtEl>
+                                          <p:spTgt spid="3">
+                                            <p:txEl>
+                                              <p:pRg st="2" end="2"/>
+                                            </p:txEl>
+                                          </p:spTgt>
+                                        </p:tgtEl>
+                                        <p:attrNameLst>
+                                          <p:attrName>style.visibility</p:attrName>
+                                        </p:attrNameLst>
+                                      </p:cBhvr>
+                                      <p:to>
+                                        <p:strVal val="visible"/>
+                                      </p:to>
+                                    </p:set>
+                                  </p:childTnLst>
+                                </p:cTn>
+                              </p:par>
+                              <p:par>
+                                <p:cTn id="11" presetID="1" presetClass="entr" presetSubtype="0" fill="hold" grpId="0" nodeType="withEffect">
+                                  <p:stCondLst>
+                                    <p:cond delay="0"/>
+                                  </p:stCondLst>
+                                  <p:childTnLst>
+                                    <p:set>
+                                      <p:cBhvr>
+                                        <p:cTn id="12" dur="1" fill="hold">
+                                          <p:stCondLst>
+                                            <p:cond delay="0"/>
+                                          </p:stCondLst>
+                                        </p:cTn>
+                                        <p:tgtEl>
+                                          <p:spTgt spid="3">
+                                            <p:txEl>
+                                              <p:pRg st="3" end="3"/>
+                                            </p:txEl>
+                                          </p:spTgt>
+                                        </p:tgtEl>
+                                        <p:attrNameLst>
+                                          <p:attrName>style.visibility</p:attrName>
+                                        </p:attrNameLst>
+                                      </p:cBhvr>
+                                      <p:to>
+                                        <p:strVal val="visible"/>
+                                      </p:to>
+                                    </p:set>
+                                  </p:childTnLst>
+                                </p:cTn>
+                              </p:par>
+                              <p:par>
+                                <p:cTn id="13" presetID="1" presetClass="entr" presetSubtype="0" fill="hold" grpId="0" nodeType="withEffect">
+                                  <p:stCondLst>
+                                    <p:cond delay="0"/>
+                                  </p:stCondLst>
+                                  <p:childTnLst>
+                                    <p:set>
+                                      <p:cBhvr>
+                                        <p:cTn id="14" dur="1" fill="hold">
+                                          <p:stCondLst>
+                                            <p:cond delay="0"/>
+                                          </p:stCondLst>
+                                        </p:cTn>
+                                        <p:tgtEl>
+                                          <p:spTgt spid="3">
+                                            <p:txEl>
+                                              <p:pRg st="4" end="4"/>
+                                            </p:txEl>
+                                          </p:spTgt>
+                                        </p:tgtEl>
+                                        <p:attrNameLst>
+                                          <p:attrName>style.visibility</p:attrName>
+                                        </p:attrNameLst>
+                                      </p:cBhvr>
+                                      <p:to>
+                                        <p:strVal val="visible"/>
+                                      </p:to>
+                                    </p:set>
+                                  </p:childTnLst>
+                                </p:cTn>
+                              </p:par>
+                              <p:par>
+                                <p:cTn id="15" presetID="1" presetClass="entr" presetSubtype="0" fill="hold" grpId="0" nodeType="withEffect">
+                                  <p:stCondLst>
+                                    <p:cond delay="0"/>
+                                  </p:stCondLst>
+                                  <p:childTnLst>
+                                    <p:set>
+                                      <p:cBhvr>
+                                        <p:cTn id="16" dur="1" fill="hold">
+                                          <p:stCondLst>
+                                            <p:cond delay="0"/>
+                                          </p:stCondLst>
+                                        </p:cTn>
+                                        <p:tgtEl>
+                                          <p:spTgt spid="3">
+                                            <p:txEl>
+                                              <p:pRg st="5" end="5"/>
+                                            </p:txEl>
+                                          </p:spTgt>
+                                        </p:tgtEl>
+                                        <p:attrNameLst>
+                                          <p:attrName>style.visibility</p:attrName>
+                                        </p:attrNameLst>
+                                      </p:cBhvr>
+                                      <p:to>
+                                        <p:strVal val="visible"/>
+                                      </p:to>
+                                    </p:set>
+                                  </p:childTnLst>
+                                </p:cTn>
+                              </p:par>
+                              <p:par>
+                                <p:cTn id="17" presetID="1" presetClass="entr" presetSubtype="0" fill="hold" grpId="0" nodeType="withEffect">
+                                  <p:stCondLst>
+                                    <p:cond delay="0"/>
+                                  </p:stCondLst>
+                                  <p:childTnLst>
+                                    <p:set>
+                                      <p:cBhvr>
+                                        <p:cTn id="18" dur="1" fill="hold">
+                                          <p:stCondLst>
+                                            <p:cond delay="0"/>
+                                          </p:stCondLst>
+                                        </p:cTn>
+                                        <p:tgtEl>
+                                          <p:spTgt spid="3">
+                                            <p:txEl>
+                                              <p:pRg st="6" end="6"/>
+                                            </p:txEl>
+                                          </p:spTgt>
+                                        </p:tgtEl>
+                                        <p:attrNameLst>
+                                          <p:attrName>style.visibility</p:attrName>
+                                        </p:attrNameLst>
+                                      </p:cBhvr>
+                                      <p:to>
+                                        <p:strVal val="visible"/>
+                                      </p:to>
+                                    </p:set>
+                                  </p:childTnLst>
+                                </p:cTn>
+                              </p:par>
+                            </p:childTnLst>
+                          </p:cTn>
+                        </p:par>
+                      </p:childTnLst>
+                    </p:cTn>
+                  </p:par>
+                </p:childTnLst>
+              </p:cTn>
+              <p:prevCondLst>
+                <p:cond evt="onPrev" delay="0">
+                  <p:tgtEl>
+                    <p:sldTgt/>
+                  </p:tgtEl>
+                </p:cond>
+              </p:prevCondLst>
+              <p:nextCondLst>
+                <p:cond evt="onNext" delay="0">
+                  <p:tgtEl>
+                    <p:sldTgt/>
+                  </p:tgtEl>
+                </p:cond>
+              </p:nextCondLst>
+            </p:seq>
+          </p:childTnLst>
+        </p:cTn>
+      </p:par>
+    </p:tnLst>
+    <p:bldLst>
+      <p:bldP spid="3" grpId="0" build="p"/>
+    </p:bldLst>
+  </p:timing>
 </p:sld>
 </file>
 
@@ -25144,7 +27689,7 @@
                             </p:stCondLst>
                             <p:childTnLst>
                               <p:par>
-                                <p:cTn id="5" presetID="1" presetClass="entr" presetSubtype="0" fill="hold" nodeType="clickEffect">
+                                <p:cTn id="5" presetID="1" presetClass="entr" presetSubtype="0" fill="hold" grpId="0" nodeType="clickEffect">
                                   <p:stCondLst>
                                     <p:cond delay="0"/>
                                   </p:stCondLst>
@@ -25152,6 +27697,349 @@
                                     <p:set>
                                       <p:cBhvr>
                                         <p:cTn id="6" dur="1" fill="hold">
+                                          <p:stCondLst>
+                                            <p:cond delay="0"/>
+                                          </p:stCondLst>
+                                        </p:cTn>
+                                        <p:tgtEl>
+                                          <p:spTgt spid="3">
+                                            <p:txEl>
+                                              <p:pRg st="0" end="0"/>
+                                            </p:txEl>
+                                          </p:spTgt>
+                                        </p:tgtEl>
+                                        <p:attrNameLst>
+                                          <p:attrName>style.visibility</p:attrName>
+                                        </p:attrNameLst>
+                                      </p:cBhvr>
+                                      <p:to>
+                                        <p:strVal val="visible"/>
+                                      </p:to>
+                                    </p:set>
+                                  </p:childTnLst>
+                                </p:cTn>
+                              </p:par>
+                            </p:childTnLst>
+                          </p:cTn>
+                        </p:par>
+                      </p:childTnLst>
+                    </p:cTn>
+                  </p:par>
+                  <p:par>
+                    <p:cTn id="7" fill="hold">
+                      <p:stCondLst>
+                        <p:cond delay="indefinite"/>
+                      </p:stCondLst>
+                      <p:childTnLst>
+                        <p:par>
+                          <p:cTn id="8" fill="hold">
+                            <p:stCondLst>
+                              <p:cond delay="0"/>
+                            </p:stCondLst>
+                            <p:childTnLst>
+                              <p:par>
+                                <p:cTn id="9" presetID="1" presetClass="entr" presetSubtype="0" fill="hold" grpId="0" nodeType="clickEffect">
+                                  <p:stCondLst>
+                                    <p:cond delay="0"/>
+                                  </p:stCondLst>
+                                  <p:childTnLst>
+                                    <p:set>
+                                      <p:cBhvr>
+                                        <p:cTn id="10" dur="1" fill="hold">
+                                          <p:stCondLst>
+                                            <p:cond delay="0"/>
+                                          </p:stCondLst>
+                                        </p:cTn>
+                                        <p:tgtEl>
+                                          <p:spTgt spid="3">
+                                            <p:txEl>
+                                              <p:pRg st="1" end="1"/>
+                                            </p:txEl>
+                                          </p:spTgt>
+                                        </p:tgtEl>
+                                        <p:attrNameLst>
+                                          <p:attrName>style.visibility</p:attrName>
+                                        </p:attrNameLst>
+                                      </p:cBhvr>
+                                      <p:to>
+                                        <p:strVal val="visible"/>
+                                      </p:to>
+                                    </p:set>
+                                  </p:childTnLst>
+                                </p:cTn>
+                              </p:par>
+                            </p:childTnLst>
+                          </p:cTn>
+                        </p:par>
+                      </p:childTnLst>
+                    </p:cTn>
+                  </p:par>
+                  <p:par>
+                    <p:cTn id="11" fill="hold">
+                      <p:stCondLst>
+                        <p:cond delay="indefinite"/>
+                      </p:stCondLst>
+                      <p:childTnLst>
+                        <p:par>
+                          <p:cTn id="12" fill="hold">
+                            <p:stCondLst>
+                              <p:cond delay="0"/>
+                            </p:stCondLst>
+                            <p:childTnLst>
+                              <p:par>
+                                <p:cTn id="13" presetID="1" presetClass="entr" presetSubtype="0" fill="hold" grpId="0" nodeType="clickEffect">
+                                  <p:stCondLst>
+                                    <p:cond delay="0"/>
+                                  </p:stCondLst>
+                                  <p:childTnLst>
+                                    <p:set>
+                                      <p:cBhvr>
+                                        <p:cTn id="14" dur="1" fill="hold">
+                                          <p:stCondLst>
+                                            <p:cond delay="0"/>
+                                          </p:stCondLst>
+                                        </p:cTn>
+                                        <p:tgtEl>
+                                          <p:spTgt spid="3">
+                                            <p:txEl>
+                                              <p:pRg st="2" end="2"/>
+                                            </p:txEl>
+                                          </p:spTgt>
+                                        </p:tgtEl>
+                                        <p:attrNameLst>
+                                          <p:attrName>style.visibility</p:attrName>
+                                        </p:attrNameLst>
+                                      </p:cBhvr>
+                                      <p:to>
+                                        <p:strVal val="visible"/>
+                                      </p:to>
+                                    </p:set>
+                                  </p:childTnLst>
+                                </p:cTn>
+                              </p:par>
+                            </p:childTnLst>
+                          </p:cTn>
+                        </p:par>
+                      </p:childTnLst>
+                    </p:cTn>
+                  </p:par>
+                  <p:par>
+                    <p:cTn id="15" fill="hold">
+                      <p:stCondLst>
+                        <p:cond delay="indefinite"/>
+                      </p:stCondLst>
+                      <p:childTnLst>
+                        <p:par>
+                          <p:cTn id="16" fill="hold">
+                            <p:stCondLst>
+                              <p:cond delay="0"/>
+                            </p:stCondLst>
+                            <p:childTnLst>
+                              <p:par>
+                                <p:cTn id="17" presetID="1" presetClass="entr" presetSubtype="0" fill="hold" grpId="0" nodeType="clickEffect">
+                                  <p:stCondLst>
+                                    <p:cond delay="0"/>
+                                  </p:stCondLst>
+                                  <p:childTnLst>
+                                    <p:set>
+                                      <p:cBhvr>
+                                        <p:cTn id="18" dur="1" fill="hold">
+                                          <p:stCondLst>
+                                            <p:cond delay="0"/>
+                                          </p:stCondLst>
+                                        </p:cTn>
+                                        <p:tgtEl>
+                                          <p:spTgt spid="3">
+                                            <p:txEl>
+                                              <p:pRg st="3" end="3"/>
+                                            </p:txEl>
+                                          </p:spTgt>
+                                        </p:tgtEl>
+                                        <p:attrNameLst>
+                                          <p:attrName>style.visibility</p:attrName>
+                                        </p:attrNameLst>
+                                      </p:cBhvr>
+                                      <p:to>
+                                        <p:strVal val="visible"/>
+                                      </p:to>
+                                    </p:set>
+                                  </p:childTnLst>
+                                </p:cTn>
+                              </p:par>
+                            </p:childTnLst>
+                          </p:cTn>
+                        </p:par>
+                      </p:childTnLst>
+                    </p:cTn>
+                  </p:par>
+                  <p:par>
+                    <p:cTn id="19" fill="hold">
+                      <p:stCondLst>
+                        <p:cond delay="indefinite"/>
+                      </p:stCondLst>
+                      <p:childTnLst>
+                        <p:par>
+                          <p:cTn id="20" fill="hold">
+                            <p:stCondLst>
+                              <p:cond delay="0"/>
+                            </p:stCondLst>
+                            <p:childTnLst>
+                              <p:par>
+                                <p:cTn id="21" presetID="1" presetClass="entr" presetSubtype="0" fill="hold" grpId="0" nodeType="clickEffect">
+                                  <p:stCondLst>
+                                    <p:cond delay="0"/>
+                                  </p:stCondLst>
+                                  <p:childTnLst>
+                                    <p:set>
+                                      <p:cBhvr>
+                                        <p:cTn id="22" dur="1" fill="hold">
+                                          <p:stCondLst>
+                                            <p:cond delay="0"/>
+                                          </p:stCondLst>
+                                        </p:cTn>
+                                        <p:tgtEl>
+                                          <p:spTgt spid="3">
+                                            <p:txEl>
+                                              <p:pRg st="4" end="4"/>
+                                            </p:txEl>
+                                          </p:spTgt>
+                                        </p:tgtEl>
+                                        <p:attrNameLst>
+                                          <p:attrName>style.visibility</p:attrName>
+                                        </p:attrNameLst>
+                                      </p:cBhvr>
+                                      <p:to>
+                                        <p:strVal val="visible"/>
+                                      </p:to>
+                                    </p:set>
+                                  </p:childTnLst>
+                                </p:cTn>
+                              </p:par>
+                            </p:childTnLst>
+                          </p:cTn>
+                        </p:par>
+                      </p:childTnLst>
+                    </p:cTn>
+                  </p:par>
+                  <p:par>
+                    <p:cTn id="23" fill="hold">
+                      <p:stCondLst>
+                        <p:cond delay="indefinite"/>
+                      </p:stCondLst>
+                      <p:childTnLst>
+                        <p:par>
+                          <p:cTn id="24" fill="hold">
+                            <p:stCondLst>
+                              <p:cond delay="0"/>
+                            </p:stCondLst>
+                            <p:childTnLst>
+                              <p:par>
+                                <p:cTn id="25" presetID="1" presetClass="entr" presetSubtype="0" fill="hold" grpId="0" nodeType="clickEffect">
+                                  <p:stCondLst>
+                                    <p:cond delay="0"/>
+                                  </p:stCondLst>
+                                  <p:childTnLst>
+                                    <p:set>
+                                      <p:cBhvr>
+                                        <p:cTn id="26" dur="1" fill="hold">
+                                          <p:stCondLst>
+                                            <p:cond delay="0"/>
+                                          </p:stCondLst>
+                                        </p:cTn>
+                                        <p:tgtEl>
+                                          <p:spTgt spid="3">
+                                            <p:txEl>
+                                              <p:pRg st="5" end="5"/>
+                                            </p:txEl>
+                                          </p:spTgt>
+                                        </p:tgtEl>
+                                        <p:attrNameLst>
+                                          <p:attrName>style.visibility</p:attrName>
+                                        </p:attrNameLst>
+                                      </p:cBhvr>
+                                      <p:to>
+                                        <p:strVal val="visible"/>
+                                      </p:to>
+                                    </p:set>
+                                  </p:childTnLst>
+                                </p:cTn>
+                              </p:par>
+                            </p:childTnLst>
+                          </p:cTn>
+                        </p:par>
+                      </p:childTnLst>
+                    </p:cTn>
+                  </p:par>
+                  <p:par>
+                    <p:cTn id="27" fill="hold">
+                      <p:stCondLst>
+                        <p:cond delay="indefinite"/>
+                      </p:stCondLst>
+                      <p:childTnLst>
+                        <p:par>
+                          <p:cTn id="28" fill="hold">
+                            <p:stCondLst>
+                              <p:cond delay="0"/>
+                            </p:stCondLst>
+                            <p:childTnLst>
+                              <p:par>
+                                <p:cTn id="29" presetID="1" presetClass="entr" presetSubtype="0" fill="hold" grpId="0" nodeType="clickEffect">
+                                  <p:stCondLst>
+                                    <p:cond delay="0"/>
+                                  </p:stCondLst>
+                                  <p:childTnLst>
+                                    <p:set>
+                                      <p:cBhvr>
+                                        <p:cTn id="30" dur="1" fill="hold">
+                                          <p:stCondLst>
+                                            <p:cond delay="0"/>
+                                          </p:stCondLst>
+                                        </p:cTn>
+                                        <p:tgtEl>
+                                          <p:spTgt spid="3">
+                                            <p:txEl>
+                                              <p:pRg st="6" end="6"/>
+                                            </p:txEl>
+                                          </p:spTgt>
+                                        </p:tgtEl>
+                                        <p:attrNameLst>
+                                          <p:attrName>style.visibility</p:attrName>
+                                        </p:attrNameLst>
+                                      </p:cBhvr>
+                                      <p:to>
+                                        <p:strVal val="visible"/>
+                                      </p:to>
+                                    </p:set>
+                                  </p:childTnLst>
+                                </p:cTn>
+                              </p:par>
+                            </p:childTnLst>
+                          </p:cTn>
+                        </p:par>
+                      </p:childTnLst>
+                    </p:cTn>
+                  </p:par>
+                  <p:par>
+                    <p:cTn id="31" fill="hold">
+                      <p:stCondLst>
+                        <p:cond delay="indefinite"/>
+                      </p:stCondLst>
+                      <p:childTnLst>
+                        <p:par>
+                          <p:cTn id="32" fill="hold">
+                            <p:stCondLst>
+                              <p:cond delay="0"/>
+                            </p:stCondLst>
+                            <p:childTnLst>
+                              <p:par>
+                                <p:cTn id="33" presetID="1" presetClass="entr" presetSubtype="0" fill="hold" nodeType="clickEffect">
+                                  <p:stCondLst>
+                                    <p:cond delay="0"/>
+                                  </p:stCondLst>
+                                  <p:childTnLst>
+                                    <p:set>
+                                      <p:cBhvr>
+                                        <p:cTn id="34" dur="1" fill="hold">
                                           <p:stCondLst>
                                             <p:cond delay="0"/>
                                           </p:stCondLst>
@@ -25197,6 +28085,9 @@
         </p:cTn>
       </p:par>
     </p:tnLst>
+    <p:bldLst>
+      <p:bldP spid="3" grpId="0" build="p"/>
+    </p:bldLst>
   </p:timing>
 </p:sld>
 </file>
@@ -27202,19 +30093,19 @@
                     </m:r>
                   </m:oMath>
                 </a14:m>
-                <a:endParaRPr lang="en-US" sz="2200"/>
+                <a:endParaRPr lang="en-US" sz="2200" dirty="0"/>
               </a:p>
               <a:p>
                 <a:r>
-                  <a:rPr lang="en-US" sz="2200"/>
+                  <a:rPr lang="en-US" sz="2200" dirty="0"/>
                   <a:t>Randomly select one of the first 9 students and select every 9</a:t>
                 </a:r>
                 <a:r>
-                  <a:rPr lang="en-US" sz="2200" baseline="30000"/>
+                  <a:rPr lang="en-US" sz="2200" baseline="30000" dirty="0"/>
                   <a:t>th</a:t>
                 </a:r>
                 <a:r>
-                  <a:rPr lang="en-US" sz="2200"/>
+                  <a:rPr lang="en-US" sz="2200" dirty="0"/>
                   <a:t> students after to be in the initial sampling pool </a:t>
                 </a:r>
               </a:p>
@@ -27275,6 +30166,137 @@
   <p:clrMapOvr>
     <a:masterClrMapping/>
   </p:clrMapOvr>
+  <p:timing>
+    <p:tnLst>
+      <p:par>
+        <p:cTn id="1" dur="indefinite" restart="never" nodeType="tmRoot">
+          <p:childTnLst>
+            <p:seq concurrent="1" nextAc="seek">
+              <p:cTn id="2" dur="indefinite" nodeType="mainSeq">
+                <p:childTnLst>
+                  <p:par>
+                    <p:cTn id="3" fill="hold">
+                      <p:stCondLst>
+                        <p:cond delay="indefinite"/>
+                      </p:stCondLst>
+                      <p:childTnLst>
+                        <p:par>
+                          <p:cTn id="4" fill="hold">
+                            <p:stCondLst>
+                              <p:cond delay="0"/>
+                            </p:stCondLst>
+                            <p:childTnLst>
+                              <p:par>
+                                <p:cTn id="5" presetID="1" presetClass="entr" presetSubtype="0" fill="hold" grpId="0" nodeType="clickEffect">
+                                  <p:stCondLst>
+                                    <p:cond delay="0"/>
+                                  </p:stCondLst>
+                                  <p:childTnLst>
+                                    <p:set>
+                                      <p:cBhvr>
+                                        <p:cTn id="6" dur="1" fill="hold">
+                                          <p:stCondLst>
+                                            <p:cond delay="0"/>
+                                          </p:stCondLst>
+                                        </p:cTn>
+                                        <p:tgtEl>
+                                          <p:spTgt spid="3">
+                                            <p:txEl>
+                                              <p:pRg st="0" end="0"/>
+                                            </p:txEl>
+                                          </p:spTgt>
+                                        </p:tgtEl>
+                                        <p:attrNameLst>
+                                          <p:attrName>style.visibility</p:attrName>
+                                        </p:attrNameLst>
+                                      </p:cBhvr>
+                                      <p:to>
+                                        <p:strVal val="visible"/>
+                                      </p:to>
+                                    </p:set>
+                                  </p:childTnLst>
+                                </p:cTn>
+                              </p:par>
+                            </p:childTnLst>
+                          </p:cTn>
+                        </p:par>
+                      </p:childTnLst>
+                    </p:cTn>
+                  </p:par>
+                  <p:par>
+                    <p:cTn id="7" fill="hold">
+                      <p:stCondLst>
+                        <p:cond delay="indefinite"/>
+                      </p:stCondLst>
+                      <p:childTnLst>
+                        <p:par>
+                          <p:cTn id="8" fill="hold">
+                            <p:stCondLst>
+                              <p:cond delay="0"/>
+                            </p:stCondLst>
+                            <p:childTnLst>
+                              <p:par>
+                                <p:cTn id="9" presetID="1" presetClass="entr" presetSubtype="0" fill="hold" grpId="0" nodeType="clickEffect">
+                                  <p:stCondLst>
+                                    <p:cond delay="0"/>
+                                  </p:stCondLst>
+                                  <p:childTnLst>
+                                    <p:set>
+                                      <p:cBhvr>
+                                        <p:cTn id="10" dur="1" fill="hold">
+                                          <p:stCondLst>
+                                            <p:cond delay="0"/>
+                                          </p:stCondLst>
+                                        </p:cTn>
+                                        <p:tgtEl>
+                                          <p:spTgt spid="3">
+                                            <p:txEl>
+                                              <p:pRg st="1" end="1"/>
+                                            </p:txEl>
+                                          </p:spTgt>
+                                        </p:tgtEl>
+                                        <p:attrNameLst>
+                                          <p:attrName>style.visibility</p:attrName>
+                                        </p:attrNameLst>
+                                      </p:cBhvr>
+                                      <p:to>
+                                        <p:strVal val="visible"/>
+                                      </p:to>
+                                    </p:set>
+                                  </p:childTnLst>
+                                </p:cTn>
+                              </p:par>
+                            </p:childTnLst>
+                          </p:cTn>
+                        </p:par>
+                      </p:childTnLst>
+                    </p:cTn>
+                  </p:par>
+                </p:childTnLst>
+              </p:cTn>
+              <p:prevCondLst>
+                <p:cond evt="onPrev" delay="0">
+                  <p:tgtEl>
+                    <p:sldTgt/>
+                  </p:tgtEl>
+                </p:cond>
+              </p:prevCondLst>
+              <p:nextCondLst>
+                <p:cond evt="onNext" delay="0">
+                  <p:tgtEl>
+                    <p:sldTgt/>
+                  </p:tgtEl>
+                </p:cond>
+              </p:nextCondLst>
+            </p:seq>
+          </p:childTnLst>
+        </p:cTn>
+      </p:par>
+    </p:tnLst>
+    <p:bldLst>
+      <p:bldP spid="3" grpId="0" build="p"/>
+    </p:bldLst>
+  </p:timing>
 </p:sld>
 </file>
 
@@ -28126,6 +31148,297 @@
   <p:clrMapOvr>
     <a:masterClrMapping/>
   </p:clrMapOvr>
+  <p:timing>
+    <p:tnLst>
+      <p:par>
+        <p:cTn id="1" dur="indefinite" restart="never" nodeType="tmRoot">
+          <p:childTnLst>
+            <p:seq concurrent="1" nextAc="seek">
+              <p:cTn id="2" dur="indefinite" nodeType="mainSeq">
+                <p:childTnLst>
+                  <p:par>
+                    <p:cTn id="3" fill="hold">
+                      <p:stCondLst>
+                        <p:cond delay="indefinite"/>
+                      </p:stCondLst>
+                      <p:childTnLst>
+                        <p:par>
+                          <p:cTn id="4" fill="hold">
+                            <p:stCondLst>
+                              <p:cond delay="0"/>
+                            </p:stCondLst>
+                            <p:childTnLst>
+                              <p:par>
+                                <p:cTn id="5" presetID="1" presetClass="entr" presetSubtype="0" fill="hold" grpId="0" nodeType="clickEffect">
+                                  <p:stCondLst>
+                                    <p:cond delay="0"/>
+                                  </p:stCondLst>
+                                  <p:childTnLst>
+                                    <p:set>
+                                      <p:cBhvr>
+                                        <p:cTn id="6" dur="1" fill="hold">
+                                          <p:stCondLst>
+                                            <p:cond delay="0"/>
+                                          </p:stCondLst>
+                                        </p:cTn>
+                                        <p:tgtEl>
+                                          <p:spTgt spid="3">
+                                            <p:txEl>
+                                              <p:pRg st="0" end="0"/>
+                                            </p:txEl>
+                                          </p:spTgt>
+                                        </p:tgtEl>
+                                        <p:attrNameLst>
+                                          <p:attrName>style.visibility</p:attrName>
+                                        </p:attrNameLst>
+                                      </p:cBhvr>
+                                      <p:to>
+                                        <p:strVal val="visible"/>
+                                      </p:to>
+                                    </p:set>
+                                  </p:childTnLst>
+                                </p:cTn>
+                              </p:par>
+                              <p:par>
+                                <p:cTn id="7" presetID="1" presetClass="entr" presetSubtype="0" fill="hold" grpId="0" nodeType="withEffect">
+                                  <p:stCondLst>
+                                    <p:cond delay="0"/>
+                                  </p:stCondLst>
+                                  <p:childTnLst>
+                                    <p:set>
+                                      <p:cBhvr>
+                                        <p:cTn id="8" dur="1" fill="hold">
+                                          <p:stCondLst>
+                                            <p:cond delay="0"/>
+                                          </p:stCondLst>
+                                        </p:cTn>
+                                        <p:tgtEl>
+                                          <p:spTgt spid="3">
+                                            <p:txEl>
+                                              <p:pRg st="1" end="1"/>
+                                            </p:txEl>
+                                          </p:spTgt>
+                                        </p:tgtEl>
+                                        <p:attrNameLst>
+                                          <p:attrName>style.visibility</p:attrName>
+                                        </p:attrNameLst>
+                                      </p:cBhvr>
+                                      <p:to>
+                                        <p:strVal val="visible"/>
+                                      </p:to>
+                                    </p:set>
+                                  </p:childTnLst>
+                                </p:cTn>
+                              </p:par>
+                              <p:par>
+                                <p:cTn id="9" presetID="1" presetClass="entr" presetSubtype="0" fill="hold" grpId="0" nodeType="withEffect">
+                                  <p:stCondLst>
+                                    <p:cond delay="0"/>
+                                  </p:stCondLst>
+                                  <p:childTnLst>
+                                    <p:set>
+                                      <p:cBhvr>
+                                        <p:cTn id="10" dur="1" fill="hold">
+                                          <p:stCondLst>
+                                            <p:cond delay="0"/>
+                                          </p:stCondLst>
+                                        </p:cTn>
+                                        <p:tgtEl>
+                                          <p:spTgt spid="3">
+                                            <p:txEl>
+                                              <p:pRg st="2" end="2"/>
+                                            </p:txEl>
+                                          </p:spTgt>
+                                        </p:tgtEl>
+                                        <p:attrNameLst>
+                                          <p:attrName>style.visibility</p:attrName>
+                                        </p:attrNameLst>
+                                      </p:cBhvr>
+                                      <p:to>
+                                        <p:strVal val="visible"/>
+                                      </p:to>
+                                    </p:set>
+                                  </p:childTnLst>
+                                </p:cTn>
+                              </p:par>
+                            </p:childTnLst>
+                          </p:cTn>
+                        </p:par>
+                      </p:childTnLst>
+                    </p:cTn>
+                  </p:par>
+                  <p:par>
+                    <p:cTn id="11" fill="hold">
+                      <p:stCondLst>
+                        <p:cond delay="indefinite"/>
+                      </p:stCondLst>
+                      <p:childTnLst>
+                        <p:par>
+                          <p:cTn id="12" fill="hold">
+                            <p:stCondLst>
+                              <p:cond delay="0"/>
+                            </p:stCondLst>
+                            <p:childTnLst>
+                              <p:par>
+                                <p:cTn id="13" presetID="1" presetClass="entr" presetSubtype="0" fill="hold" grpId="0" nodeType="clickEffect">
+                                  <p:stCondLst>
+                                    <p:cond delay="0"/>
+                                  </p:stCondLst>
+                                  <p:childTnLst>
+                                    <p:set>
+                                      <p:cBhvr>
+                                        <p:cTn id="14" dur="1" fill="hold">
+                                          <p:stCondLst>
+                                            <p:cond delay="0"/>
+                                          </p:stCondLst>
+                                        </p:cTn>
+                                        <p:tgtEl>
+                                          <p:spTgt spid="3">
+                                            <p:txEl>
+                                              <p:pRg st="4" end="4"/>
+                                            </p:txEl>
+                                          </p:spTgt>
+                                        </p:tgtEl>
+                                        <p:attrNameLst>
+                                          <p:attrName>style.visibility</p:attrName>
+                                        </p:attrNameLst>
+                                      </p:cBhvr>
+                                      <p:to>
+                                        <p:strVal val="visible"/>
+                                      </p:to>
+                                    </p:set>
+                                  </p:childTnLst>
+                                </p:cTn>
+                              </p:par>
+                            </p:childTnLst>
+                          </p:cTn>
+                        </p:par>
+                      </p:childTnLst>
+                    </p:cTn>
+                  </p:par>
+                  <p:par>
+                    <p:cTn id="15" fill="hold">
+                      <p:stCondLst>
+                        <p:cond delay="indefinite"/>
+                      </p:stCondLst>
+                      <p:childTnLst>
+                        <p:par>
+                          <p:cTn id="16" fill="hold">
+                            <p:stCondLst>
+                              <p:cond delay="0"/>
+                            </p:stCondLst>
+                            <p:childTnLst>
+                              <p:par>
+                                <p:cTn id="17" presetID="1" presetClass="entr" presetSubtype="0" fill="hold" grpId="0" nodeType="clickEffect">
+                                  <p:stCondLst>
+                                    <p:cond delay="0"/>
+                                  </p:stCondLst>
+                                  <p:childTnLst>
+                                    <p:set>
+                                      <p:cBhvr>
+                                        <p:cTn id="18" dur="1" fill="hold">
+                                          <p:stCondLst>
+                                            <p:cond delay="0"/>
+                                          </p:stCondLst>
+                                        </p:cTn>
+                                        <p:tgtEl>
+                                          <p:spTgt spid="3">
+                                            <p:txEl>
+                                              <p:pRg st="5" end="5"/>
+                                            </p:txEl>
+                                          </p:spTgt>
+                                        </p:tgtEl>
+                                        <p:attrNameLst>
+                                          <p:attrName>style.visibility</p:attrName>
+                                        </p:attrNameLst>
+                                      </p:cBhvr>
+                                      <p:to>
+                                        <p:strVal val="visible"/>
+                                      </p:to>
+                                    </p:set>
+                                  </p:childTnLst>
+                                </p:cTn>
+                              </p:par>
+                            </p:childTnLst>
+                          </p:cTn>
+                        </p:par>
+                      </p:childTnLst>
+                    </p:cTn>
+                  </p:par>
+                  <p:par>
+                    <p:cTn id="19" fill="hold">
+                      <p:stCondLst>
+                        <p:cond delay="indefinite"/>
+                      </p:stCondLst>
+                      <p:childTnLst>
+                        <p:par>
+                          <p:cTn id="20" fill="hold">
+                            <p:stCondLst>
+                              <p:cond delay="0"/>
+                            </p:stCondLst>
+                            <p:childTnLst>
+                              <p:par>
+                                <p:cTn id="21" presetID="1" presetClass="entr" presetSubtype="0" fill="hold" grpId="0" nodeType="clickEffect">
+                                  <p:stCondLst>
+                                    <p:cond delay="0"/>
+                                  </p:stCondLst>
+                                  <p:childTnLst>
+                                    <p:set>
+                                      <p:cBhvr>
+                                        <p:cTn id="22" dur="1" fill="hold">
+                                          <p:stCondLst>
+                                            <p:cond delay="0"/>
+                                          </p:stCondLst>
+                                        </p:cTn>
+                                        <p:tgtEl>
+                                          <p:spTgt spid="3">
+                                            <p:txEl>
+                                              <p:pRg st="6" end="6"/>
+                                            </p:txEl>
+                                          </p:spTgt>
+                                        </p:tgtEl>
+                                        <p:attrNameLst>
+                                          <p:attrName>style.visibility</p:attrName>
+                                        </p:attrNameLst>
+                                      </p:cBhvr>
+                                      <p:to>
+                                        <p:strVal val="visible"/>
+                                      </p:to>
+                                    </p:set>
+                                  </p:childTnLst>
+                                </p:cTn>
+                              </p:par>
+                            </p:childTnLst>
+                          </p:cTn>
+                        </p:par>
+                      </p:childTnLst>
+                    </p:cTn>
+                  </p:par>
+                </p:childTnLst>
+              </p:cTn>
+              <p:prevCondLst>
+                <p:cond evt="onPrev" delay="0">
+                  <p:tgtEl>
+                    <p:sldTgt/>
+                  </p:tgtEl>
+                </p:cond>
+              </p:prevCondLst>
+              <p:nextCondLst>
+                <p:cond evt="onNext" delay="0">
+                  <p:tgtEl>
+                    <p:sldTgt/>
+                  </p:tgtEl>
+                </p:cond>
+              </p:nextCondLst>
+            </p:seq>
+          </p:childTnLst>
+        </p:cTn>
+      </p:par>
+    </p:tnLst>
+    <p:bldLst>
+      <p:bldP spid="3" grpId="0" build="p"/>
+    </p:bldLst>
+  </p:timing>
 </p:sld>
 </file>
 
@@ -28538,7 +31851,7 @@
           <a:lstStyle/>
           <a:p>
             <a:r>
-              <a:rPr lang="en-US" sz="2000"/>
+              <a:rPr lang="en-US" sz="2000" dirty="0"/>
               <a:t>A probability sample in which </a:t>
             </a:r>
           </a:p>
@@ -28547,7 +31860,7 @@
               <a:buNone/>
             </a:pPr>
             <a:r>
-              <a:rPr lang="en-US" sz="2000"/>
+              <a:rPr lang="en-US" sz="2000" dirty="0"/>
               <a:t>(1) the parent population is divided into mutually exclusive and exhaustive subsets </a:t>
             </a:r>
           </a:p>
@@ -28556,31 +31869,31 @@
               <a:buNone/>
             </a:pPr>
             <a:r>
-              <a:rPr lang="en-US" sz="2000"/>
+              <a:rPr lang="en-US" sz="2000" dirty="0"/>
               <a:t>(2) a random sample of one or more subsets (clusters) is selected </a:t>
             </a:r>
           </a:p>
           <a:p>
             <a:r>
-              <a:rPr lang="en-US" sz="2000"/>
+              <a:rPr lang="en-US" sz="2000" dirty="0"/>
               <a:t>Strata should be </a:t>
             </a:r>
             <a:r>
-              <a:rPr lang="en-US" sz="2000" b="1"/>
+              <a:rPr lang="en-US" sz="2000" b="1" dirty="0"/>
               <a:t>heterogeneous within</a:t>
             </a:r>
             <a:r>
-              <a:rPr lang="en-US" sz="2000"/>
+              <a:rPr lang="en-US" sz="2000" dirty="0"/>
               <a:t>, </a:t>
             </a:r>
             <a:r>
-              <a:rPr lang="en-US" sz="2000" b="1"/>
+              <a:rPr lang="en-US" sz="2000" b="1" dirty="0"/>
               <a:t>homogeneous between </a:t>
             </a:r>
           </a:p>
           <a:p>
             <a:r>
-              <a:rPr lang="en-US" sz="2000"/>
+              <a:rPr lang="en-US" sz="2000" dirty="0"/>
               <a:t>An AREA SAMPLE is a form of cluster sampling in which areas (e.g., census tracts, blocks) serve as the primary sampling units </a:t>
             </a:r>
           </a:p>
@@ -28674,6 +31987,248 @@
   <p:clrMapOvr>
     <a:masterClrMapping/>
   </p:clrMapOvr>
+  <p:timing>
+    <p:tnLst>
+      <p:par>
+        <p:cTn id="1" dur="indefinite" restart="never" nodeType="tmRoot">
+          <p:childTnLst>
+            <p:seq concurrent="1" nextAc="seek">
+              <p:cTn id="2" dur="indefinite" nodeType="mainSeq">
+                <p:childTnLst>
+                  <p:par>
+                    <p:cTn id="3" fill="hold">
+                      <p:stCondLst>
+                        <p:cond delay="indefinite"/>
+                      </p:stCondLst>
+                      <p:childTnLst>
+                        <p:par>
+                          <p:cTn id="4" fill="hold">
+                            <p:stCondLst>
+                              <p:cond delay="0"/>
+                            </p:stCondLst>
+                            <p:childTnLst>
+                              <p:par>
+                                <p:cTn id="5" presetID="1" presetClass="entr" presetSubtype="0" fill="hold" grpId="0" nodeType="clickEffect">
+                                  <p:stCondLst>
+                                    <p:cond delay="0"/>
+                                  </p:stCondLst>
+                                  <p:childTnLst>
+                                    <p:set>
+                                      <p:cBhvr>
+                                        <p:cTn id="6" dur="1" fill="hold">
+                                          <p:stCondLst>
+                                            <p:cond delay="0"/>
+                                          </p:stCondLst>
+                                        </p:cTn>
+                                        <p:tgtEl>
+                                          <p:spTgt spid="3">
+                                            <p:txEl>
+                                              <p:pRg st="0" end="0"/>
+                                            </p:txEl>
+                                          </p:spTgt>
+                                        </p:tgtEl>
+                                        <p:attrNameLst>
+                                          <p:attrName>style.visibility</p:attrName>
+                                        </p:attrNameLst>
+                                      </p:cBhvr>
+                                      <p:to>
+                                        <p:strVal val="visible"/>
+                                      </p:to>
+                                    </p:set>
+                                  </p:childTnLst>
+                                </p:cTn>
+                              </p:par>
+                              <p:par>
+                                <p:cTn id="7" presetID="1" presetClass="entr" presetSubtype="0" fill="hold" grpId="0" nodeType="withEffect">
+                                  <p:stCondLst>
+                                    <p:cond delay="0"/>
+                                  </p:stCondLst>
+                                  <p:childTnLst>
+                                    <p:set>
+                                      <p:cBhvr>
+                                        <p:cTn id="8" dur="1" fill="hold">
+                                          <p:stCondLst>
+                                            <p:cond delay="0"/>
+                                          </p:stCondLst>
+                                        </p:cTn>
+                                        <p:tgtEl>
+                                          <p:spTgt spid="3">
+                                            <p:txEl>
+                                              <p:pRg st="1" end="1"/>
+                                            </p:txEl>
+                                          </p:spTgt>
+                                        </p:tgtEl>
+                                        <p:attrNameLst>
+                                          <p:attrName>style.visibility</p:attrName>
+                                        </p:attrNameLst>
+                                      </p:cBhvr>
+                                      <p:to>
+                                        <p:strVal val="visible"/>
+                                      </p:to>
+                                    </p:set>
+                                  </p:childTnLst>
+                                </p:cTn>
+                              </p:par>
+                              <p:par>
+                                <p:cTn id="9" presetID="1" presetClass="entr" presetSubtype="0" fill="hold" grpId="0" nodeType="withEffect">
+                                  <p:stCondLst>
+                                    <p:cond delay="0"/>
+                                  </p:stCondLst>
+                                  <p:childTnLst>
+                                    <p:set>
+                                      <p:cBhvr>
+                                        <p:cTn id="10" dur="1" fill="hold">
+                                          <p:stCondLst>
+                                            <p:cond delay="0"/>
+                                          </p:stCondLst>
+                                        </p:cTn>
+                                        <p:tgtEl>
+                                          <p:spTgt spid="3">
+                                            <p:txEl>
+                                              <p:pRg st="2" end="2"/>
+                                            </p:txEl>
+                                          </p:spTgt>
+                                        </p:tgtEl>
+                                        <p:attrNameLst>
+                                          <p:attrName>style.visibility</p:attrName>
+                                        </p:attrNameLst>
+                                      </p:cBhvr>
+                                      <p:to>
+                                        <p:strVal val="visible"/>
+                                      </p:to>
+                                    </p:set>
+                                  </p:childTnLst>
+                                </p:cTn>
+                              </p:par>
+                            </p:childTnLst>
+                          </p:cTn>
+                        </p:par>
+                      </p:childTnLst>
+                    </p:cTn>
+                  </p:par>
+                  <p:par>
+                    <p:cTn id="11" fill="hold">
+                      <p:stCondLst>
+                        <p:cond delay="indefinite"/>
+                      </p:stCondLst>
+                      <p:childTnLst>
+                        <p:par>
+                          <p:cTn id="12" fill="hold">
+                            <p:stCondLst>
+                              <p:cond delay="0"/>
+                            </p:stCondLst>
+                            <p:childTnLst>
+                              <p:par>
+                                <p:cTn id="13" presetID="1" presetClass="entr" presetSubtype="0" fill="hold" grpId="0" nodeType="clickEffect">
+                                  <p:stCondLst>
+                                    <p:cond delay="0"/>
+                                  </p:stCondLst>
+                                  <p:childTnLst>
+                                    <p:set>
+                                      <p:cBhvr>
+                                        <p:cTn id="14" dur="1" fill="hold">
+                                          <p:stCondLst>
+                                            <p:cond delay="0"/>
+                                          </p:stCondLst>
+                                        </p:cTn>
+                                        <p:tgtEl>
+                                          <p:spTgt spid="3">
+                                            <p:txEl>
+                                              <p:pRg st="3" end="3"/>
+                                            </p:txEl>
+                                          </p:spTgt>
+                                        </p:tgtEl>
+                                        <p:attrNameLst>
+                                          <p:attrName>style.visibility</p:attrName>
+                                        </p:attrNameLst>
+                                      </p:cBhvr>
+                                      <p:to>
+                                        <p:strVal val="visible"/>
+                                      </p:to>
+                                    </p:set>
+                                  </p:childTnLst>
+                                </p:cTn>
+                              </p:par>
+                            </p:childTnLst>
+                          </p:cTn>
+                        </p:par>
+                      </p:childTnLst>
+                    </p:cTn>
+                  </p:par>
+                  <p:par>
+                    <p:cTn id="15" fill="hold">
+                      <p:stCondLst>
+                        <p:cond delay="indefinite"/>
+                      </p:stCondLst>
+                      <p:childTnLst>
+                        <p:par>
+                          <p:cTn id="16" fill="hold">
+                            <p:stCondLst>
+                              <p:cond delay="0"/>
+                            </p:stCondLst>
+                            <p:childTnLst>
+                              <p:par>
+                                <p:cTn id="17" presetID="1" presetClass="entr" presetSubtype="0" fill="hold" grpId="0" nodeType="clickEffect">
+                                  <p:stCondLst>
+                                    <p:cond delay="0"/>
+                                  </p:stCondLst>
+                                  <p:childTnLst>
+                                    <p:set>
+                                      <p:cBhvr>
+                                        <p:cTn id="18" dur="1" fill="hold">
+                                          <p:stCondLst>
+                                            <p:cond delay="0"/>
+                                          </p:stCondLst>
+                                        </p:cTn>
+                                        <p:tgtEl>
+                                          <p:spTgt spid="3">
+                                            <p:txEl>
+                                              <p:pRg st="4" end="4"/>
+                                            </p:txEl>
+                                          </p:spTgt>
+                                        </p:tgtEl>
+                                        <p:attrNameLst>
+                                          <p:attrName>style.visibility</p:attrName>
+                                        </p:attrNameLst>
+                                      </p:cBhvr>
+                                      <p:to>
+                                        <p:strVal val="visible"/>
+                                      </p:to>
+                                    </p:set>
+                                  </p:childTnLst>
+                                </p:cTn>
+                              </p:par>
+                            </p:childTnLst>
+                          </p:cTn>
+                        </p:par>
+                      </p:childTnLst>
+                    </p:cTn>
+                  </p:par>
+                </p:childTnLst>
+              </p:cTn>
+              <p:prevCondLst>
+                <p:cond evt="onPrev" delay="0">
+                  <p:tgtEl>
+                    <p:sldTgt/>
+                  </p:tgtEl>
+                </p:cond>
+              </p:prevCondLst>
+              <p:nextCondLst>
+                <p:cond evt="onNext" delay="0">
+                  <p:tgtEl>
+                    <p:sldTgt/>
+                  </p:tgtEl>
+                </p:cond>
+              </p:nextCondLst>
+            </p:seq>
+          </p:childTnLst>
+        </p:cTn>
+      </p:par>
+    </p:tnLst>
+    <p:bldLst>
+      <p:bldP spid="3" grpId="0" build="p"/>
+    </p:bldLst>
+  </p:timing>
 </p:sld>
 </file>
 
@@ -29333,6 +32888,328 @@
   <p:clrMapOvr>
     <a:masterClrMapping/>
   </p:clrMapOvr>
+  <p:timing>
+    <p:tnLst>
+      <p:par>
+        <p:cTn id="1" dur="indefinite" restart="never" nodeType="tmRoot">
+          <p:childTnLst>
+            <p:seq concurrent="1" nextAc="seek">
+              <p:cTn id="2" dur="indefinite" nodeType="mainSeq">
+                <p:childTnLst>
+                  <p:par>
+                    <p:cTn id="3" fill="hold">
+                      <p:stCondLst>
+                        <p:cond delay="indefinite"/>
+                      </p:stCondLst>
+                      <p:childTnLst>
+                        <p:par>
+                          <p:cTn id="4" fill="hold">
+                            <p:stCondLst>
+                              <p:cond delay="0"/>
+                            </p:stCondLst>
+                            <p:childTnLst>
+                              <p:par>
+                                <p:cTn id="5" presetID="1" presetClass="entr" presetSubtype="0" fill="hold" grpId="0" nodeType="clickEffect">
+                                  <p:stCondLst>
+                                    <p:cond delay="0"/>
+                                  </p:stCondLst>
+                                  <p:childTnLst>
+                                    <p:set>
+                                      <p:cBhvr>
+                                        <p:cTn id="6" dur="1" fill="hold">
+                                          <p:stCondLst>
+                                            <p:cond delay="0"/>
+                                          </p:stCondLst>
+                                        </p:cTn>
+                                        <p:tgtEl>
+                                          <p:spTgt spid="3">
+                                            <p:txEl>
+                                              <p:pRg st="0" end="0"/>
+                                            </p:txEl>
+                                          </p:spTgt>
+                                        </p:tgtEl>
+                                        <p:attrNameLst>
+                                          <p:attrName>style.visibility</p:attrName>
+                                        </p:attrNameLst>
+                                      </p:cBhvr>
+                                      <p:to>
+                                        <p:strVal val="visible"/>
+                                      </p:to>
+                                    </p:set>
+                                  </p:childTnLst>
+                                </p:cTn>
+                              </p:par>
+                              <p:par>
+                                <p:cTn id="7" presetID="1" presetClass="entr" presetSubtype="0" fill="hold" grpId="0" nodeType="withEffect">
+                                  <p:stCondLst>
+                                    <p:cond delay="0"/>
+                                  </p:stCondLst>
+                                  <p:childTnLst>
+                                    <p:set>
+                                      <p:cBhvr>
+                                        <p:cTn id="8" dur="1" fill="hold">
+                                          <p:stCondLst>
+                                            <p:cond delay="0"/>
+                                          </p:stCondLst>
+                                        </p:cTn>
+                                        <p:tgtEl>
+                                          <p:spTgt spid="3">
+                                            <p:txEl>
+                                              <p:pRg st="1" end="1"/>
+                                            </p:txEl>
+                                          </p:spTgt>
+                                        </p:tgtEl>
+                                        <p:attrNameLst>
+                                          <p:attrName>style.visibility</p:attrName>
+                                        </p:attrNameLst>
+                                      </p:cBhvr>
+                                      <p:to>
+                                        <p:strVal val="visible"/>
+                                      </p:to>
+                                    </p:set>
+                                  </p:childTnLst>
+                                </p:cTn>
+                              </p:par>
+                              <p:par>
+                                <p:cTn id="9" presetID="1" presetClass="entr" presetSubtype="0" fill="hold" grpId="0" nodeType="withEffect">
+                                  <p:stCondLst>
+                                    <p:cond delay="0"/>
+                                  </p:stCondLst>
+                                  <p:childTnLst>
+                                    <p:set>
+                                      <p:cBhvr>
+                                        <p:cTn id="10" dur="1" fill="hold">
+                                          <p:stCondLst>
+                                            <p:cond delay="0"/>
+                                          </p:stCondLst>
+                                        </p:cTn>
+                                        <p:tgtEl>
+                                          <p:spTgt spid="3">
+                                            <p:txEl>
+                                              <p:pRg st="2" end="2"/>
+                                            </p:txEl>
+                                          </p:spTgt>
+                                        </p:tgtEl>
+                                        <p:attrNameLst>
+                                          <p:attrName>style.visibility</p:attrName>
+                                        </p:attrNameLst>
+                                      </p:cBhvr>
+                                      <p:to>
+                                        <p:strVal val="visible"/>
+                                      </p:to>
+                                    </p:set>
+                                  </p:childTnLst>
+                                </p:cTn>
+                              </p:par>
+                              <p:par>
+                                <p:cTn id="11" presetID="1" presetClass="entr" presetSubtype="0" fill="hold" grpId="0" nodeType="withEffect">
+                                  <p:stCondLst>
+                                    <p:cond delay="0"/>
+                                  </p:stCondLst>
+                                  <p:childTnLst>
+                                    <p:set>
+                                      <p:cBhvr>
+                                        <p:cTn id="12" dur="1" fill="hold">
+                                          <p:stCondLst>
+                                            <p:cond delay="0"/>
+                                          </p:stCondLst>
+                                        </p:cTn>
+                                        <p:tgtEl>
+                                          <p:spTgt spid="3">
+                                            <p:txEl>
+                                              <p:pRg st="3" end="3"/>
+                                            </p:txEl>
+                                          </p:spTgt>
+                                        </p:tgtEl>
+                                        <p:attrNameLst>
+                                          <p:attrName>style.visibility</p:attrName>
+                                        </p:attrNameLst>
+                                      </p:cBhvr>
+                                      <p:to>
+                                        <p:strVal val="visible"/>
+                                      </p:to>
+                                    </p:set>
+                                  </p:childTnLst>
+                                </p:cTn>
+                              </p:par>
+                            </p:childTnLst>
+                          </p:cTn>
+                        </p:par>
+                      </p:childTnLst>
+                    </p:cTn>
+                  </p:par>
+                  <p:par>
+                    <p:cTn id="13" fill="hold">
+                      <p:stCondLst>
+                        <p:cond delay="indefinite"/>
+                      </p:stCondLst>
+                      <p:childTnLst>
+                        <p:par>
+                          <p:cTn id="14" fill="hold">
+                            <p:stCondLst>
+                              <p:cond delay="0"/>
+                            </p:stCondLst>
+                            <p:childTnLst>
+                              <p:par>
+                                <p:cTn id="15" presetID="1" presetClass="entr" presetSubtype="0" fill="hold" grpId="0" nodeType="clickEffect">
+                                  <p:stCondLst>
+                                    <p:cond delay="0"/>
+                                  </p:stCondLst>
+                                  <p:childTnLst>
+                                    <p:set>
+                                      <p:cBhvr>
+                                        <p:cTn id="16" dur="1" fill="hold">
+                                          <p:stCondLst>
+                                            <p:cond delay="0"/>
+                                          </p:stCondLst>
+                                        </p:cTn>
+                                        <p:tgtEl>
+                                          <p:spTgt spid="3">
+                                            <p:txEl>
+                                              <p:pRg st="4" end="4"/>
+                                            </p:txEl>
+                                          </p:spTgt>
+                                        </p:tgtEl>
+                                        <p:attrNameLst>
+                                          <p:attrName>style.visibility</p:attrName>
+                                        </p:attrNameLst>
+                                      </p:cBhvr>
+                                      <p:to>
+                                        <p:strVal val="visible"/>
+                                      </p:to>
+                                    </p:set>
+                                  </p:childTnLst>
+                                </p:cTn>
+                              </p:par>
+                            </p:childTnLst>
+                          </p:cTn>
+                        </p:par>
+                      </p:childTnLst>
+                    </p:cTn>
+                  </p:par>
+                  <p:par>
+                    <p:cTn id="17" fill="hold">
+                      <p:stCondLst>
+                        <p:cond delay="indefinite"/>
+                      </p:stCondLst>
+                      <p:childTnLst>
+                        <p:par>
+                          <p:cTn id="18" fill="hold">
+                            <p:stCondLst>
+                              <p:cond delay="0"/>
+                            </p:stCondLst>
+                            <p:childTnLst>
+                              <p:par>
+                                <p:cTn id="19" presetID="1" presetClass="entr" presetSubtype="0" fill="hold" grpId="0" nodeType="clickEffect">
+                                  <p:stCondLst>
+                                    <p:cond delay="0"/>
+                                  </p:stCondLst>
+                                  <p:childTnLst>
+                                    <p:set>
+                                      <p:cBhvr>
+                                        <p:cTn id="20" dur="1" fill="hold">
+                                          <p:stCondLst>
+                                            <p:cond delay="0"/>
+                                          </p:stCondLst>
+                                        </p:cTn>
+                                        <p:tgtEl>
+                                          <p:spTgt spid="3">
+                                            <p:txEl>
+                                              <p:pRg st="5" end="5"/>
+                                            </p:txEl>
+                                          </p:spTgt>
+                                        </p:tgtEl>
+                                        <p:attrNameLst>
+                                          <p:attrName>style.visibility</p:attrName>
+                                        </p:attrNameLst>
+                                      </p:cBhvr>
+                                      <p:to>
+                                        <p:strVal val="visible"/>
+                                      </p:to>
+                                    </p:set>
+                                  </p:childTnLst>
+                                </p:cTn>
+                              </p:par>
+                            </p:childTnLst>
+                          </p:cTn>
+                        </p:par>
+                      </p:childTnLst>
+                    </p:cTn>
+                  </p:par>
+                  <p:par>
+                    <p:cTn id="21" fill="hold">
+                      <p:stCondLst>
+                        <p:cond delay="indefinite"/>
+                      </p:stCondLst>
+                      <p:childTnLst>
+                        <p:par>
+                          <p:cTn id="22" fill="hold">
+                            <p:stCondLst>
+                              <p:cond delay="0"/>
+                            </p:stCondLst>
+                            <p:childTnLst>
+                              <p:par>
+                                <p:cTn id="23" presetID="1" presetClass="entr" presetSubtype="0" fill="hold" grpId="0" nodeType="clickEffect">
+                                  <p:stCondLst>
+                                    <p:cond delay="0"/>
+                                  </p:stCondLst>
+                                  <p:childTnLst>
+                                    <p:set>
+                                      <p:cBhvr>
+                                        <p:cTn id="24" dur="1" fill="hold">
+                                          <p:stCondLst>
+                                            <p:cond delay="0"/>
+                                          </p:stCondLst>
+                                        </p:cTn>
+                                        <p:tgtEl>
+                                          <p:spTgt spid="3">
+                                            <p:txEl>
+                                              <p:pRg st="6" end="6"/>
+                                            </p:txEl>
+                                          </p:spTgt>
+                                        </p:tgtEl>
+                                        <p:attrNameLst>
+                                          <p:attrName>style.visibility</p:attrName>
+                                        </p:attrNameLst>
+                                      </p:cBhvr>
+                                      <p:to>
+                                        <p:strVal val="visible"/>
+                                      </p:to>
+                                    </p:set>
+                                  </p:childTnLst>
+                                </p:cTn>
+                              </p:par>
+                            </p:childTnLst>
+                          </p:cTn>
+                        </p:par>
+                      </p:childTnLst>
+                    </p:cTn>
+                  </p:par>
+                </p:childTnLst>
+              </p:cTn>
+              <p:prevCondLst>
+                <p:cond evt="onPrev" delay="0">
+                  <p:tgtEl>
+                    <p:sldTgt/>
+                  </p:tgtEl>
+                </p:cond>
+              </p:prevCondLst>
+              <p:nextCondLst>
+                <p:cond evt="onNext" delay="0">
+                  <p:tgtEl>
+                    <p:sldTgt/>
+                  </p:tgtEl>
+                </p:cond>
+              </p:nextCondLst>
+            </p:seq>
+          </p:childTnLst>
+        </p:cTn>
+      </p:par>
+    </p:tnLst>
+    <p:bldLst>
+      <p:bldP spid="3" grpId="0" build="p"/>
+    </p:bldLst>
+  </p:timing>
 </p:sld>
 </file>
 
@@ -31135,8 +35012,8 @@
           </a:p>
         </p:txBody>
       </p:sp>
-      <mc:AlternateContent xmlns:mc="http://schemas.openxmlformats.org/markup-compatibility/2006">
-        <mc:Choice xmlns:a14="http://schemas.microsoft.com/office/drawing/2010/main" Requires="a14">
+      <mc:AlternateContent xmlns:mc="http://schemas.openxmlformats.org/markup-compatibility/2006" xmlns:a14="http://schemas.microsoft.com/office/drawing/2010/main">
+        <mc:Choice Requires="a14">
           <p:sp>
             <p:nvSpPr>
               <p:cNvPr id="3" name="Content Placeholder 2">
@@ -31227,7 +35104,7 @@
             </p:txBody>
           </p:sp>
         </mc:Choice>
-        <mc:Fallback>
+        <mc:Fallback xmlns="">
           <p:sp>
             <p:nvSpPr>
               <p:cNvPr id="3" name="Content Placeholder 2">
@@ -34507,8 +38384,8 @@
           </a:p>
         </p:txBody>
       </p:sp>
-      <mc:AlternateContent xmlns:mc="http://schemas.openxmlformats.org/markup-compatibility/2006">
-        <mc:Choice xmlns:a14="http://schemas.microsoft.com/office/drawing/2010/main" Requires="a14">
+      <mc:AlternateContent xmlns:mc="http://schemas.openxmlformats.org/markup-compatibility/2006" xmlns:a14="http://schemas.microsoft.com/office/drawing/2010/main">
+        <mc:Choice Requires="a14">
           <p:sp>
             <p:nvSpPr>
               <p:cNvPr id="3" name="Content Placeholder 2">
@@ -34602,7 +38479,7 @@
             </p:txBody>
           </p:sp>
         </mc:Choice>
-        <mc:Fallback>
+        <mc:Fallback xmlns="">
           <p:sp>
             <p:nvSpPr>
               <p:cNvPr id="3" name="Content Placeholder 2">
@@ -38634,19 +42511,19 @@
           <a:lstStyle/>
           <a:p>
             <a:r>
-              <a:rPr lang="en-US" sz="2200"/>
+              <a:rPr lang="en-US" sz="2200" dirty="0"/>
               <a:t>Size of research budget </a:t>
             </a:r>
           </a:p>
           <a:p>
             <a:r>
-              <a:rPr lang="en-US" sz="2200"/>
+              <a:rPr lang="en-US" sz="2200" dirty="0"/>
               <a:t>Anticipated analyses </a:t>
             </a:r>
           </a:p>
           <a:p>
             <a:r>
-              <a:rPr lang="en-US" sz="2200"/>
+              <a:rPr lang="en-US" sz="2200" dirty="0"/>
               <a:t>Historical practice </a:t>
             </a:r>
           </a:p>
@@ -38754,10 +42631,459 @@
   <p:clrMapOvr>
     <a:masterClrMapping/>
   </p:clrMapOvr>
+  <p:timing>
+    <p:tnLst>
+      <p:par>
+        <p:cTn id="1" dur="indefinite" restart="never" nodeType="tmRoot">
+          <p:childTnLst>
+            <p:seq concurrent="1" nextAc="seek">
+              <p:cTn id="2" dur="indefinite" nodeType="mainSeq">
+                <p:childTnLst>
+                  <p:par>
+                    <p:cTn id="3" fill="hold">
+                      <p:stCondLst>
+                        <p:cond delay="indefinite"/>
+                      </p:stCondLst>
+                      <p:childTnLst>
+                        <p:par>
+                          <p:cTn id="4" fill="hold">
+                            <p:stCondLst>
+                              <p:cond delay="0"/>
+                            </p:stCondLst>
+                            <p:childTnLst>
+                              <p:par>
+                                <p:cTn id="5" presetID="1" presetClass="entr" presetSubtype="0" fill="hold" grpId="0" nodeType="clickEffect">
+                                  <p:stCondLst>
+                                    <p:cond delay="0"/>
+                                  </p:stCondLst>
+                                  <p:childTnLst>
+                                    <p:set>
+                                      <p:cBhvr>
+                                        <p:cTn id="6" dur="1" fill="hold">
+                                          <p:stCondLst>
+                                            <p:cond delay="0"/>
+                                          </p:stCondLst>
+                                        </p:cTn>
+                                        <p:tgtEl>
+                                          <p:spTgt spid="3">
+                                            <p:txEl>
+                                              <p:pRg st="0" end="0"/>
+                                            </p:txEl>
+                                          </p:spTgt>
+                                        </p:tgtEl>
+                                        <p:attrNameLst>
+                                          <p:attrName>style.visibility</p:attrName>
+                                        </p:attrNameLst>
+                                      </p:cBhvr>
+                                      <p:to>
+                                        <p:strVal val="visible"/>
+                                      </p:to>
+                                    </p:set>
+                                  </p:childTnLst>
+                                </p:cTn>
+                              </p:par>
+                            </p:childTnLst>
+                          </p:cTn>
+                        </p:par>
+                      </p:childTnLst>
+                    </p:cTn>
+                  </p:par>
+                  <p:par>
+                    <p:cTn id="7" fill="hold">
+                      <p:stCondLst>
+                        <p:cond delay="indefinite"/>
+                      </p:stCondLst>
+                      <p:childTnLst>
+                        <p:par>
+                          <p:cTn id="8" fill="hold">
+                            <p:stCondLst>
+                              <p:cond delay="0"/>
+                            </p:stCondLst>
+                            <p:childTnLst>
+                              <p:par>
+                                <p:cTn id="9" presetID="1" presetClass="entr" presetSubtype="0" fill="hold" grpId="0" nodeType="clickEffect">
+                                  <p:stCondLst>
+                                    <p:cond delay="0"/>
+                                  </p:stCondLst>
+                                  <p:childTnLst>
+                                    <p:set>
+                                      <p:cBhvr>
+                                        <p:cTn id="10" dur="1" fill="hold">
+                                          <p:stCondLst>
+                                            <p:cond delay="0"/>
+                                          </p:stCondLst>
+                                        </p:cTn>
+                                        <p:tgtEl>
+                                          <p:spTgt spid="3">
+                                            <p:txEl>
+                                              <p:pRg st="1" end="1"/>
+                                            </p:txEl>
+                                          </p:spTgt>
+                                        </p:tgtEl>
+                                        <p:attrNameLst>
+                                          <p:attrName>style.visibility</p:attrName>
+                                        </p:attrNameLst>
+                                      </p:cBhvr>
+                                      <p:to>
+                                        <p:strVal val="visible"/>
+                                      </p:to>
+                                    </p:set>
+                                  </p:childTnLst>
+                                </p:cTn>
+                              </p:par>
+                            </p:childTnLst>
+                          </p:cTn>
+                        </p:par>
+                      </p:childTnLst>
+                    </p:cTn>
+                  </p:par>
+                  <p:par>
+                    <p:cTn id="11" fill="hold">
+                      <p:stCondLst>
+                        <p:cond delay="indefinite"/>
+                      </p:stCondLst>
+                      <p:childTnLst>
+                        <p:par>
+                          <p:cTn id="12" fill="hold">
+                            <p:stCondLst>
+                              <p:cond delay="0"/>
+                            </p:stCondLst>
+                            <p:childTnLst>
+                              <p:par>
+                                <p:cTn id="13" presetID="1" presetClass="entr" presetSubtype="0" fill="hold" grpId="0" nodeType="clickEffect">
+                                  <p:stCondLst>
+                                    <p:cond delay="0"/>
+                                  </p:stCondLst>
+                                  <p:childTnLst>
+                                    <p:set>
+                                      <p:cBhvr>
+                                        <p:cTn id="14" dur="1" fill="hold">
+                                          <p:stCondLst>
+                                            <p:cond delay="0"/>
+                                          </p:stCondLst>
+                                        </p:cTn>
+                                        <p:tgtEl>
+                                          <p:spTgt spid="3">
+                                            <p:txEl>
+                                              <p:pRg st="2" end="2"/>
+                                            </p:txEl>
+                                          </p:spTgt>
+                                        </p:tgtEl>
+                                        <p:attrNameLst>
+                                          <p:attrName>style.visibility</p:attrName>
+                                        </p:attrNameLst>
+                                      </p:cBhvr>
+                                      <p:to>
+                                        <p:strVal val="visible"/>
+                                      </p:to>
+                                    </p:set>
+                                  </p:childTnLst>
+                                </p:cTn>
+                              </p:par>
+                            </p:childTnLst>
+                          </p:cTn>
+                        </p:par>
+                      </p:childTnLst>
+                    </p:cTn>
+                  </p:par>
+                </p:childTnLst>
+              </p:cTn>
+              <p:prevCondLst>
+                <p:cond evt="onPrev" delay="0">
+                  <p:tgtEl>
+                    <p:sldTgt/>
+                  </p:tgtEl>
+                </p:cond>
+              </p:prevCondLst>
+              <p:nextCondLst>
+                <p:cond evt="onNext" delay="0">
+                  <p:tgtEl>
+                    <p:sldTgt/>
+                  </p:tgtEl>
+                </p:cond>
+              </p:nextCondLst>
+            </p:seq>
+          </p:childTnLst>
+        </p:cTn>
+      </p:par>
+    </p:tnLst>
+    <p:bldLst>
+      <p:bldP spid="3" grpId="0" build="p"/>
+    </p:bldLst>
+  </p:timing>
 </p:sld>
 </file>
 
 <file path=ppt/slides/slide42.xml><?xml version="1.0" encoding="utf-8"?>
+<p:sld xmlns:a="http://schemas.openxmlformats.org/drawingml/2006/main" xmlns:r="http://schemas.openxmlformats.org/officeDocument/2006/relationships" xmlns:p="http://schemas.openxmlformats.org/presentationml/2006/main">
+  <p:cSld>
+    <p:bg>
+      <p:bgPr>
+        <a:solidFill>
+          <a:schemeClr val="bg1"/>
+        </a:solidFill>
+        <a:effectLst/>
+      </p:bgPr>
+    </p:bg>
+    <p:spTree>
+      <p:nvGrpSpPr>
+        <p:cNvPr id="1" name=""/>
+        <p:cNvGrpSpPr/>
+        <p:nvPr/>
+      </p:nvGrpSpPr>
+      <p:grpSpPr>
+        <a:xfrm>
+          <a:off x="0" y="0"/>
+          <a:ext cx="0" cy="0"/>
+          <a:chOff x="0" y="0"/>
+          <a:chExt cx="0" cy="0"/>
+        </a:xfrm>
+      </p:grpSpPr>
+      <p:sp>
+        <p:nvSpPr>
+          <p:cNvPr id="12" name="Rectangle 11">
+            <a:extLst>
+              <a:ext uri="{FF2B5EF4-FFF2-40B4-BE49-F238E27FC236}">
+                <a16:creationId xmlns:a16="http://schemas.microsoft.com/office/drawing/2014/main" id="{A4AC5506-6312-4701-8D3C-40187889A947}"/>
+              </a:ext>
+              <a:ext uri="{C183D7F6-B498-43B3-948B-1728B52AA6E4}">
+                <adec:decorative xmlns:adec="http://schemas.microsoft.com/office/drawing/2017/decorative" val="1"/>
+              </a:ext>
+            </a:extLst>
+          </p:cNvPr>
+          <p:cNvSpPr>
+            <a:spLocks noGrp="1" noRot="1" noChangeAspect="1" noMove="1" noResize="1" noEditPoints="1" noAdjustHandles="1" noChangeArrowheads="1" noChangeShapeType="1" noTextEdit="1"/>
+          </p:cNvSpPr>
+          <p:nvPr>
+            <p:extLst>
+              <p:ext uri="{386F3935-93C4-4BCD-93E2-E3B085C9AB24}">
+                <p16:designElem xmlns:p16="http://schemas.microsoft.com/office/powerpoint/2015/main" val="1"/>
+              </p:ext>
+            </p:extLst>
+          </p:nvPr>
+        </p:nvSpPr>
+        <p:spPr>
+          <a:xfrm>
+            <a:off x="0" y="651752"/>
+            <a:ext cx="12192000" cy="736551"/>
+          </a:xfrm>
+          <a:prstGeom prst="rect">
+            <a:avLst/>
+          </a:prstGeom>
+          <a:solidFill>
+            <a:schemeClr val="tx1"/>
+          </a:solidFill>
+          <a:ln>
+            <a:noFill/>
+          </a:ln>
+        </p:spPr>
+        <p:style>
+          <a:lnRef idx="2">
+            <a:schemeClr val="accent1">
+              <a:shade val="50000"/>
+            </a:schemeClr>
+          </a:lnRef>
+          <a:fillRef idx="1">
+            <a:schemeClr val="accent1"/>
+          </a:fillRef>
+          <a:effectRef idx="0">
+            <a:schemeClr val="accent1"/>
+          </a:effectRef>
+          <a:fontRef idx="minor">
+            <a:schemeClr val="lt1"/>
+          </a:fontRef>
+        </p:style>
+        <p:txBody>
+          <a:bodyPr rtlCol="0" anchor="ctr"/>
+          <a:lstStyle/>
+          <a:p>
+            <a:pPr algn="ctr"/>
+            <a:endParaRPr lang="en-US"/>
+          </a:p>
+        </p:txBody>
+      </p:sp>
+      <p:sp>
+        <p:nvSpPr>
+          <p:cNvPr id="2" name="Title 1">
+            <a:extLst>
+              <a:ext uri="{FF2B5EF4-FFF2-40B4-BE49-F238E27FC236}">
+                <a16:creationId xmlns:a16="http://schemas.microsoft.com/office/drawing/2014/main" id="{FDA203F0-12A4-4B71-ACFF-1BE3A692015B}"/>
+              </a:ext>
+            </a:extLst>
+          </p:cNvPr>
+          <p:cNvSpPr>
+            <a:spLocks noGrp="1"/>
+          </p:cNvSpPr>
+          <p:nvPr>
+            <p:ph type="title"/>
+          </p:nvPr>
+        </p:nvSpPr>
+        <p:spPr>
+          <a:xfrm>
+            <a:off x="556532" y="643467"/>
+            <a:ext cx="11210925" cy="744836"/>
+          </a:xfrm>
+        </p:spPr>
+        <p:txBody>
+          <a:bodyPr vert="horz" lIns="91440" tIns="45720" rIns="91440" bIns="45720" rtlCol="0" anchor="ctr">
+            <a:normAutofit/>
+          </a:bodyPr>
+          <a:lstStyle/>
+          <a:p>
+            <a:pPr algn="ctr"/>
+            <a:r>
+              <a:rPr lang="en-US" sz="3200" kern="1200">
+                <a:solidFill>
+                  <a:schemeClr val="bg1"/>
+                </a:solidFill>
+                <a:latin typeface="+mj-lt"/>
+                <a:ea typeface="+mj-ea"/>
+                <a:cs typeface="+mj-cs"/>
+              </a:rPr>
+              <a:t>Discussion Case #5</a:t>
+            </a:r>
+          </a:p>
+        </p:txBody>
+      </p:sp>
+      <p:pic>
+        <p:nvPicPr>
+          <p:cNvPr id="7" name="Picture 6" descr="Graphical user interface, text, application, email&#10;&#10;Description automatically generated">
+            <a:extLst>
+              <a:ext uri="{FF2B5EF4-FFF2-40B4-BE49-F238E27FC236}">
+                <a16:creationId xmlns:a16="http://schemas.microsoft.com/office/drawing/2014/main" id="{FCE67815-E517-4544-8BCF-42D5A9AABD14}"/>
+              </a:ext>
+            </a:extLst>
+          </p:cNvPr>
+          <p:cNvPicPr>
+            <a:picLocks noChangeAspect="1"/>
+          </p:cNvPicPr>
+          <p:nvPr/>
+        </p:nvPicPr>
+        <p:blipFill>
+          <a:blip r:embed="rId3"/>
+          <a:stretch>
+            <a:fillRect/>
+          </a:stretch>
+        </p:blipFill>
+        <p:spPr>
+          <a:xfrm>
+            <a:off x="1766740" y="1675227"/>
+            <a:ext cx="8658520" cy="4394199"/>
+          </a:xfrm>
+          <a:prstGeom prst="rect">
+            <a:avLst/>
+          </a:prstGeom>
+        </p:spPr>
+      </p:pic>
+      <p:sp>
+        <p:nvSpPr>
+          <p:cNvPr id="4" name="Footer Placeholder 3">
+            <a:extLst>
+              <a:ext uri="{FF2B5EF4-FFF2-40B4-BE49-F238E27FC236}">
+                <a16:creationId xmlns:a16="http://schemas.microsoft.com/office/drawing/2014/main" id="{680D0DDB-C297-47B9-B2E3-801CFFCE6D5B}"/>
+              </a:ext>
+            </a:extLst>
+          </p:cNvPr>
+          <p:cNvSpPr>
+            <a:spLocks noGrp="1"/>
+          </p:cNvSpPr>
+          <p:nvPr>
+            <p:ph type="ftr" sz="quarter" idx="11"/>
+          </p:nvPr>
+        </p:nvSpPr>
+        <p:spPr>
+          <a:xfrm>
+            <a:off x="4038600" y="6356350"/>
+            <a:ext cx="4114800" cy="365125"/>
+          </a:xfrm>
+        </p:spPr>
+        <p:txBody>
+          <a:bodyPr vert="horz" lIns="91440" tIns="45720" rIns="91440" bIns="45720" rtlCol="0" anchor="ctr">
+            <a:normAutofit/>
+          </a:bodyPr>
+          <a:lstStyle/>
+          <a:p>
+            <a:pPr>
+              <a:spcAft>
+                <a:spcPts val="600"/>
+              </a:spcAft>
+            </a:pPr>
+            <a:r>
+              <a:rPr lang="en-US" kern="1200">
+                <a:solidFill>
+                  <a:schemeClr val="tx1">
+                    <a:tint val="75000"/>
+                  </a:schemeClr>
+                </a:solidFill>
+                <a:latin typeface="+mn-lt"/>
+                <a:ea typeface="+mn-ea"/>
+                <a:cs typeface="+mn-cs"/>
+              </a:rPr>
+              <a:t>Mike Nguyen</a:t>
+            </a:r>
+          </a:p>
+        </p:txBody>
+      </p:sp>
+      <p:sp>
+        <p:nvSpPr>
+          <p:cNvPr id="5" name="Slide Number Placeholder 4">
+            <a:extLst>
+              <a:ext uri="{FF2B5EF4-FFF2-40B4-BE49-F238E27FC236}">
+                <a16:creationId xmlns:a16="http://schemas.microsoft.com/office/drawing/2014/main" id="{5653245E-543A-497A-ADAA-5BB93C85B6BC}"/>
+              </a:ext>
+            </a:extLst>
+          </p:cNvPr>
+          <p:cNvSpPr>
+            <a:spLocks noGrp="1"/>
+          </p:cNvSpPr>
+          <p:nvPr>
+            <p:ph type="sldNum" sz="quarter" idx="12"/>
+          </p:nvPr>
+        </p:nvSpPr>
+        <p:spPr>
+          <a:xfrm>
+            <a:off x="8610600" y="6356350"/>
+            <a:ext cx="2743200" cy="365125"/>
+          </a:xfrm>
+        </p:spPr>
+        <p:txBody>
+          <a:bodyPr vert="horz" lIns="91440" tIns="45720" rIns="91440" bIns="45720" rtlCol="0" anchor="ctr">
+            <a:normAutofit/>
+          </a:bodyPr>
+          <a:lstStyle/>
+          <a:p>
+            <a:pPr>
+              <a:spcAft>
+                <a:spcPts val="600"/>
+              </a:spcAft>
+            </a:pPr>
+            <a:fld id="{A6AF1B4E-90EC-4A51-B6E5-B702C054ECB0}" type="slidenum">
+              <a:rPr lang="en-US" smtClean="0"/>
+              <a:pPr>
+                <a:spcAft>
+                  <a:spcPts val="600"/>
+                </a:spcAft>
+              </a:pPr>
+              <a:t>42</a:t>
+            </a:fld>
+            <a:endParaRPr lang="en-US"/>
+          </a:p>
+        </p:txBody>
+      </p:sp>
+    </p:spTree>
+    <p:extLst>
+      <p:ext uri="{BB962C8B-B14F-4D97-AF65-F5344CB8AC3E}">
+        <p14:creationId xmlns:p14="http://schemas.microsoft.com/office/powerpoint/2010/main" val="2292676026"/>
+      </p:ext>
+    </p:extLst>
+  </p:cSld>
+  <p:clrMapOvr>
+    <a:masterClrMapping/>
+  </p:clrMapOvr>
+</p:sld>
+</file>
+
+<file path=ppt/slides/slide43.xml><?xml version="1.0" encoding="utf-8"?>
 <p:sld xmlns:a="http://schemas.openxmlformats.org/drawingml/2006/main" xmlns:r="http://schemas.openxmlformats.org/officeDocument/2006/relationships" xmlns:p="http://schemas.openxmlformats.org/presentationml/2006/main">
   <p:cSld>
     <p:bg>
@@ -40246,7 +44572,7 @@
           <a:p>
             <a:fld id="{A6AF1B4E-90EC-4A51-B6E5-B702C054ECB0}" type="slidenum">
               <a:rPr lang="en-US" smtClean="0"/>
-              <a:t>42</a:t>
+              <a:t>43</a:t>
             </a:fld>
             <a:endParaRPr lang="en-US" dirty="0"/>
           </a:p>
@@ -40265,7 +44591,7 @@
 </p:sld>
 </file>
 
-<file path=ppt/slides/slide43.xml><?xml version="1.0" encoding="utf-8"?>
+<file path=ppt/slides/slide44.xml><?xml version="1.0" encoding="utf-8"?>
 <p:sld xmlns:a="http://schemas.openxmlformats.org/drawingml/2006/main" xmlns:r="http://schemas.openxmlformats.org/officeDocument/2006/relationships" xmlns:p="http://schemas.openxmlformats.org/presentationml/2006/main">
   <p:cSld>
     <p:bg>
@@ -40548,7 +44874,7 @@
                   <a:spcPts val="600"/>
                 </a:spcAft>
               </a:pPr>
-              <a:t>43</a:t>
+              <a:t>44</a:t>
             </a:fld>
             <a:endParaRPr lang="en-US">
               <a:solidFill>
@@ -40593,275 +44919,6 @@
     <p:extLst>
       <p:ext uri="{BB962C8B-B14F-4D97-AF65-F5344CB8AC3E}">
         <p14:creationId xmlns:p14="http://schemas.microsoft.com/office/powerpoint/2010/main" val="1659961957"/>
-      </p:ext>
-    </p:extLst>
-  </p:cSld>
-  <p:clrMapOvr>
-    <a:masterClrMapping/>
-  </p:clrMapOvr>
-</p:sld>
-</file>
-
-<file path=ppt/slides/slide44.xml><?xml version="1.0" encoding="utf-8"?>
-<p:sld xmlns:a="http://schemas.openxmlformats.org/drawingml/2006/main" xmlns:r="http://schemas.openxmlformats.org/officeDocument/2006/relationships" xmlns:p="http://schemas.openxmlformats.org/presentationml/2006/main">
-  <p:cSld>
-    <p:bg>
-      <p:bgPr>
-        <a:solidFill>
-          <a:schemeClr val="bg1"/>
-        </a:solidFill>
-        <a:effectLst/>
-      </p:bgPr>
-    </p:bg>
-    <p:spTree>
-      <p:nvGrpSpPr>
-        <p:cNvPr id="1" name=""/>
-        <p:cNvGrpSpPr/>
-        <p:nvPr/>
-      </p:nvGrpSpPr>
-      <p:grpSpPr>
-        <a:xfrm>
-          <a:off x="0" y="0"/>
-          <a:ext cx="0" cy="0"/>
-          <a:chOff x="0" y="0"/>
-          <a:chExt cx="0" cy="0"/>
-        </a:xfrm>
-      </p:grpSpPr>
-      <p:sp>
-        <p:nvSpPr>
-          <p:cNvPr id="12" name="Rectangle 11">
-            <a:extLst>
-              <a:ext uri="{FF2B5EF4-FFF2-40B4-BE49-F238E27FC236}">
-                <a16:creationId xmlns:a16="http://schemas.microsoft.com/office/drawing/2014/main" id="{A4AC5506-6312-4701-8D3C-40187889A947}"/>
-              </a:ext>
-              <a:ext uri="{C183D7F6-B498-43B3-948B-1728B52AA6E4}">
-                <adec:decorative xmlns:adec="http://schemas.microsoft.com/office/drawing/2017/decorative" val="1"/>
-              </a:ext>
-            </a:extLst>
-          </p:cNvPr>
-          <p:cNvSpPr>
-            <a:spLocks noGrp="1" noRot="1" noChangeAspect="1" noMove="1" noResize="1" noEditPoints="1" noAdjustHandles="1" noChangeArrowheads="1" noChangeShapeType="1" noTextEdit="1"/>
-          </p:cNvSpPr>
-          <p:nvPr>
-            <p:extLst>
-              <p:ext uri="{386F3935-93C4-4BCD-93E2-E3B085C9AB24}">
-                <p16:designElem xmlns:p16="http://schemas.microsoft.com/office/powerpoint/2015/main" val="1"/>
-              </p:ext>
-            </p:extLst>
-          </p:nvPr>
-        </p:nvSpPr>
-        <p:spPr>
-          <a:xfrm>
-            <a:off x="0" y="651752"/>
-            <a:ext cx="12192000" cy="736551"/>
-          </a:xfrm>
-          <a:prstGeom prst="rect">
-            <a:avLst/>
-          </a:prstGeom>
-          <a:solidFill>
-            <a:schemeClr val="tx1"/>
-          </a:solidFill>
-          <a:ln>
-            <a:noFill/>
-          </a:ln>
-        </p:spPr>
-        <p:style>
-          <a:lnRef idx="2">
-            <a:schemeClr val="accent1">
-              <a:shade val="50000"/>
-            </a:schemeClr>
-          </a:lnRef>
-          <a:fillRef idx="1">
-            <a:schemeClr val="accent1"/>
-          </a:fillRef>
-          <a:effectRef idx="0">
-            <a:schemeClr val="accent1"/>
-          </a:effectRef>
-          <a:fontRef idx="minor">
-            <a:schemeClr val="lt1"/>
-          </a:fontRef>
-        </p:style>
-        <p:txBody>
-          <a:bodyPr rtlCol="0" anchor="ctr"/>
-          <a:lstStyle/>
-          <a:p>
-            <a:pPr algn="ctr"/>
-            <a:endParaRPr lang="en-US"/>
-          </a:p>
-        </p:txBody>
-      </p:sp>
-      <p:sp>
-        <p:nvSpPr>
-          <p:cNvPr id="2" name="Title 1">
-            <a:extLst>
-              <a:ext uri="{FF2B5EF4-FFF2-40B4-BE49-F238E27FC236}">
-                <a16:creationId xmlns:a16="http://schemas.microsoft.com/office/drawing/2014/main" id="{FDA203F0-12A4-4B71-ACFF-1BE3A692015B}"/>
-              </a:ext>
-            </a:extLst>
-          </p:cNvPr>
-          <p:cNvSpPr>
-            <a:spLocks noGrp="1"/>
-          </p:cNvSpPr>
-          <p:nvPr>
-            <p:ph type="title"/>
-          </p:nvPr>
-        </p:nvSpPr>
-        <p:spPr>
-          <a:xfrm>
-            <a:off x="556532" y="643467"/>
-            <a:ext cx="11210925" cy="744836"/>
-          </a:xfrm>
-        </p:spPr>
-        <p:txBody>
-          <a:bodyPr vert="horz" lIns="91440" tIns="45720" rIns="91440" bIns="45720" rtlCol="0" anchor="ctr">
-            <a:normAutofit/>
-          </a:bodyPr>
-          <a:lstStyle/>
-          <a:p>
-            <a:pPr algn="ctr"/>
-            <a:r>
-              <a:rPr lang="en-US" sz="3200" kern="1200">
-                <a:solidFill>
-                  <a:schemeClr val="bg1"/>
-                </a:solidFill>
-                <a:latin typeface="+mj-lt"/>
-                <a:ea typeface="+mj-ea"/>
-                <a:cs typeface="+mj-cs"/>
-              </a:rPr>
-              <a:t>Discussion Case #5</a:t>
-            </a:r>
-          </a:p>
-        </p:txBody>
-      </p:sp>
-      <p:pic>
-        <p:nvPicPr>
-          <p:cNvPr id="7" name="Picture 6" descr="Graphical user interface, text, application, email&#10;&#10;Description automatically generated">
-            <a:extLst>
-              <a:ext uri="{FF2B5EF4-FFF2-40B4-BE49-F238E27FC236}">
-                <a16:creationId xmlns:a16="http://schemas.microsoft.com/office/drawing/2014/main" id="{FCE67815-E517-4544-8BCF-42D5A9AABD14}"/>
-              </a:ext>
-            </a:extLst>
-          </p:cNvPr>
-          <p:cNvPicPr>
-            <a:picLocks noChangeAspect="1"/>
-          </p:cNvPicPr>
-          <p:nvPr/>
-        </p:nvPicPr>
-        <p:blipFill>
-          <a:blip r:embed="rId3"/>
-          <a:stretch>
-            <a:fillRect/>
-          </a:stretch>
-        </p:blipFill>
-        <p:spPr>
-          <a:xfrm>
-            <a:off x="1766740" y="1675227"/>
-            <a:ext cx="8658520" cy="4394199"/>
-          </a:xfrm>
-          <a:prstGeom prst="rect">
-            <a:avLst/>
-          </a:prstGeom>
-        </p:spPr>
-      </p:pic>
-      <p:sp>
-        <p:nvSpPr>
-          <p:cNvPr id="4" name="Footer Placeholder 3">
-            <a:extLst>
-              <a:ext uri="{FF2B5EF4-FFF2-40B4-BE49-F238E27FC236}">
-                <a16:creationId xmlns:a16="http://schemas.microsoft.com/office/drawing/2014/main" id="{680D0DDB-C297-47B9-B2E3-801CFFCE6D5B}"/>
-              </a:ext>
-            </a:extLst>
-          </p:cNvPr>
-          <p:cNvSpPr>
-            <a:spLocks noGrp="1"/>
-          </p:cNvSpPr>
-          <p:nvPr>
-            <p:ph type="ftr" sz="quarter" idx="11"/>
-          </p:nvPr>
-        </p:nvSpPr>
-        <p:spPr>
-          <a:xfrm>
-            <a:off x="4038600" y="6356350"/>
-            <a:ext cx="4114800" cy="365125"/>
-          </a:xfrm>
-        </p:spPr>
-        <p:txBody>
-          <a:bodyPr vert="horz" lIns="91440" tIns="45720" rIns="91440" bIns="45720" rtlCol="0" anchor="ctr">
-            <a:normAutofit/>
-          </a:bodyPr>
-          <a:lstStyle/>
-          <a:p>
-            <a:pPr>
-              <a:spcAft>
-                <a:spcPts val="600"/>
-              </a:spcAft>
-            </a:pPr>
-            <a:r>
-              <a:rPr lang="en-US" kern="1200">
-                <a:solidFill>
-                  <a:schemeClr val="tx1">
-                    <a:tint val="75000"/>
-                  </a:schemeClr>
-                </a:solidFill>
-                <a:latin typeface="+mn-lt"/>
-                <a:ea typeface="+mn-ea"/>
-                <a:cs typeface="+mn-cs"/>
-              </a:rPr>
-              <a:t>Mike Nguyen</a:t>
-            </a:r>
-          </a:p>
-        </p:txBody>
-      </p:sp>
-      <p:sp>
-        <p:nvSpPr>
-          <p:cNvPr id="5" name="Slide Number Placeholder 4">
-            <a:extLst>
-              <a:ext uri="{FF2B5EF4-FFF2-40B4-BE49-F238E27FC236}">
-                <a16:creationId xmlns:a16="http://schemas.microsoft.com/office/drawing/2014/main" id="{5653245E-543A-497A-ADAA-5BB93C85B6BC}"/>
-              </a:ext>
-            </a:extLst>
-          </p:cNvPr>
-          <p:cNvSpPr>
-            <a:spLocks noGrp="1"/>
-          </p:cNvSpPr>
-          <p:nvPr>
-            <p:ph type="sldNum" sz="quarter" idx="12"/>
-          </p:nvPr>
-        </p:nvSpPr>
-        <p:spPr>
-          <a:xfrm>
-            <a:off x="8610600" y="6356350"/>
-            <a:ext cx="2743200" cy="365125"/>
-          </a:xfrm>
-        </p:spPr>
-        <p:txBody>
-          <a:bodyPr vert="horz" lIns="91440" tIns="45720" rIns="91440" bIns="45720" rtlCol="0" anchor="ctr">
-            <a:normAutofit/>
-          </a:bodyPr>
-          <a:lstStyle/>
-          <a:p>
-            <a:pPr>
-              <a:spcAft>
-                <a:spcPts val="600"/>
-              </a:spcAft>
-            </a:pPr>
-            <a:fld id="{A6AF1B4E-90EC-4A51-B6E5-B702C054ECB0}" type="slidenum">
-              <a:rPr lang="en-US" smtClean="0"/>
-              <a:pPr>
-                <a:spcAft>
-                  <a:spcPts val="600"/>
-                </a:spcAft>
-              </a:pPr>
-              <a:t>44</a:t>
-            </a:fld>
-            <a:endParaRPr lang="en-US"/>
-          </a:p>
-        </p:txBody>
-      </p:sp>
-    </p:spTree>
-    <p:extLst>
-      <p:ext uri="{BB962C8B-B14F-4D97-AF65-F5344CB8AC3E}">
-        <p14:creationId xmlns:p14="http://schemas.microsoft.com/office/powerpoint/2010/main" val="2292676026"/>
       </p:ext>
     </p:extLst>
   </p:cSld>
@@ -41547,12 +45604,6 @@
             <a:r>
               <a:rPr lang="en-US" sz="2400" dirty="0"/>
               <a:t>Quiz 6 (Sunday)</a:t>
-            </a:r>
-          </a:p>
-          <a:p>
-            <a:r>
-              <a:rPr lang="en-US" sz="2400" dirty="0"/>
-              <a:t>Discussion Case #5 (Sunday)</a:t>
             </a:r>
           </a:p>
           <a:p>
@@ -45161,23 +49212,6 @@
 </file>
 
 <file path=customXml/item1.xml><?xml version="1.0" encoding="utf-8"?>
-<?mso-contentType ?>
-<FormTemplates xmlns="http://schemas.microsoft.com/sharepoint/v3/contenttype/forms">
-  <Display>DocumentLibraryForm</Display>
-  <Edit>DocumentLibraryForm</Edit>
-  <New>DocumentLibraryForm</New>
-</FormTemplates>
-</file>
-
-<file path=customXml/item2.xml><?xml version="1.0" encoding="utf-8"?>
-<p:properties xmlns:p="http://schemas.microsoft.com/office/2006/metadata/properties" xmlns:xsi="http://www.w3.org/2001/XMLSchema-instance" xmlns:pc="http://schemas.microsoft.com/office/infopath/2007/PartnerControls">
-  <documentManagement>
-    <MediaServiceKeyPoints xmlns="71af3243-3dd4-4a8d-8c0d-dd76da1f02a5" xsi:nil="true"/>
-  </documentManagement>
-</p:properties>
-</file>
-
-<file path=customXml/item3.xml><?xml version="1.0" encoding="utf-8"?>
 <ct:contentTypeSchema xmlns:ct="http://schemas.microsoft.com/office/2006/metadata/contentType" xmlns:ma="http://schemas.microsoft.com/office/2006/metadata/properties/metaAttributes" ct:_="" ma:_="" ma:contentTypeName="Document" ma:contentTypeID="0x01010079F111ED35F8CC479449609E8A0923A6" ma:contentTypeVersion="11" ma:contentTypeDescription="Create a new document." ma:contentTypeScope="" ma:versionID="96291512c1ee715ab617f4c07df79fc1">
   <xsd:schema xmlns:xsd="http://www.w3.org/2001/XMLSchema" xmlns:xs="http://www.w3.org/2001/XMLSchema" xmlns:p="http://schemas.microsoft.com/office/2006/metadata/properties" xmlns:ns2="71af3243-3dd4-4a8d-8c0d-dd76da1f02a5" xmlns:ns3="16c05727-aa75-4e4a-9b5f-8a80a1165891" targetNamespace="http://schemas.microsoft.com/office/2006/metadata/properties" ma:root="true" ma:fieldsID="8256c27c40ca5c40ce1cf6c44f0205df" ns2:_="" ns3:_="">
     <xsd:import namespace="71af3243-3dd4-4a8d-8c0d-dd76da1f02a5"/>
@@ -45388,25 +49422,24 @@
 </ct:contentTypeSchema>
 </file>
 
-<file path=customXml/itemProps1.xml><?xml version="1.0" encoding="utf-8"?>
-<ds:datastoreItem xmlns:ds="http://schemas.openxmlformats.org/officeDocument/2006/customXml" ds:itemID="{5CA875DA-F9FD-4F83-A049-3B1027B542DE}">
-  <ds:schemaRefs>
-    <ds:schemaRef ds:uri="http://schemas.microsoft.com/sharepoint/v3/contenttype/forms"/>
-  </ds:schemaRefs>
-</ds:datastoreItem>
+<file path=customXml/item2.xml><?xml version="1.0" encoding="utf-8"?>
+<?mso-contentType ?>
+<FormTemplates xmlns="http://schemas.microsoft.com/sharepoint/v3/contenttype/forms">
+  <Display>DocumentLibraryForm</Display>
+  <Edit>DocumentLibraryForm</Edit>
+  <New>DocumentLibraryForm</New>
+</FormTemplates>
 </file>
 
-<file path=customXml/itemProps2.xml><?xml version="1.0" encoding="utf-8"?>
-<ds:datastoreItem xmlns:ds="http://schemas.openxmlformats.org/officeDocument/2006/customXml" ds:itemID="{03C7D9E6-B0D9-433E-BD46-EB60F64F4DA8}">
-  <ds:schemaRefs>
-    <ds:schemaRef ds:uri="http://schemas.microsoft.com/office/2006/metadata/properties"/>
-    <ds:schemaRef ds:uri="http://schemas.microsoft.com/office/infopath/2007/PartnerControls"/>
-    <ds:schemaRef ds:uri="71af3243-3dd4-4a8d-8c0d-dd76da1f02a5"/>
-  </ds:schemaRefs>
-</ds:datastoreItem>
+<file path=customXml/item3.xml><?xml version="1.0" encoding="utf-8"?>
+<p:properties xmlns:p="http://schemas.microsoft.com/office/2006/metadata/properties" xmlns:xsi="http://www.w3.org/2001/XMLSchema-instance" xmlns:pc="http://schemas.microsoft.com/office/infopath/2007/PartnerControls">
+  <documentManagement>
+    <MediaServiceKeyPoints xmlns="71af3243-3dd4-4a8d-8c0d-dd76da1f02a5" xsi:nil="true"/>
+  </documentManagement>
+</p:properties>
 </file>
 
-<file path=customXml/itemProps3.xml><?xml version="1.0" encoding="utf-8"?>
+<file path=customXml/itemProps1.xml><?xml version="1.0" encoding="utf-8"?>
 <ds:datastoreItem xmlns:ds="http://schemas.openxmlformats.org/officeDocument/2006/customXml" ds:itemID="{B2AB02E3-5ADF-4BF0-9C1B-35CDF3FE95B0}">
   <ds:schemaRefs>
     <ds:schemaRef ds:uri="http://schemas.microsoft.com/office/2006/metadata/contentType"/>
@@ -45423,4 +49456,22 @@
     <ds:schemaRef ds:uri="http://schemas.microsoft.com/internal/obd"/>
   </ds:schemaRefs>
 </ds:datastoreItem>
+</file>
+
+<file path=customXml/itemProps2.xml><?xml version="1.0" encoding="utf-8"?>
+<ds:datastoreItem xmlns:ds="http://schemas.openxmlformats.org/officeDocument/2006/customXml" ds:itemID="{5CA875DA-F9FD-4F83-A049-3B1027B542DE}">
+  <ds:schemaRefs>
+    <ds:schemaRef ds:uri="http://schemas.microsoft.com/sharepoint/v3/contenttype/forms"/>
+  </ds:schemaRefs>
+</ds:datastoreItem>
+</file>
+
+<file path=customXml/itemProps3.xml><?xml version="1.0" encoding="utf-8"?>
+<ds:datastoreItem xmlns:ds="http://schemas.openxmlformats.org/officeDocument/2006/customXml" ds:itemID="{03C7D9E6-B0D9-433E-BD46-EB60F64F4DA8}">
+  <ds:schemaRefs>
+    <ds:schemaRef ds:uri="http://schemas.microsoft.com/office/2006/metadata/properties"/>
+    <ds:schemaRef ds:uri="http://schemas.microsoft.com/office/infopath/2007/PartnerControls"/>
+    <ds:schemaRef ds:uri="71af3243-3dd4-4a8d-8c0d-dd76da1f02a5"/>
+  </ds:schemaRefs>
+</ds:datastoreItem>
 </file>